--- a/디자인/정보구조도.pptx
+++ b/디자인/정보구조도.pptx
@@ -104,6 +104,11 @@
       </a:defRPr>
     </a:lvl9pPr>
   </p:defaultTextStyle>
+  <p:extLst>
+    <p:ext uri="{EFAFB233-063F-42B5-8137-9DF3F51BA10A}">
+      <p15:sldGuideLst xmlns:p15="http://schemas.microsoft.com/office/powerpoint/2012/main"/>
+    </p:ext>
+  </p:extLst>
 </p:presentation>
 </file>
 
@@ -238,7 +243,7 @@
           <a:p>
             <a:fld id="{84BFBD06-C461-48D3-9DB8-6D0B967C0C74}" type="datetimeFigureOut">
               <a:rPr lang="ko-KR" altLang="en-US" smtClean="0"/>
-              <a:t>2023-10-10</a:t>
+              <a:t>2023-10-12</a:t>
             </a:fld>
             <a:endParaRPr lang="ko-KR" altLang="en-US"/>
           </a:p>
@@ -408,7 +413,7 @@
           <a:p>
             <a:fld id="{84BFBD06-C461-48D3-9DB8-6D0B967C0C74}" type="datetimeFigureOut">
               <a:rPr lang="ko-KR" altLang="en-US" smtClean="0"/>
-              <a:t>2023-10-10</a:t>
+              <a:t>2023-10-12</a:t>
             </a:fld>
             <a:endParaRPr lang="ko-KR" altLang="en-US"/>
           </a:p>
@@ -588,7 +593,7 @@
           <a:p>
             <a:fld id="{84BFBD06-C461-48D3-9DB8-6D0B967C0C74}" type="datetimeFigureOut">
               <a:rPr lang="ko-KR" altLang="en-US" smtClean="0"/>
-              <a:t>2023-10-10</a:t>
+              <a:t>2023-10-12</a:t>
             </a:fld>
             <a:endParaRPr lang="ko-KR" altLang="en-US"/>
           </a:p>
@@ -758,7 +763,7 @@
           <a:p>
             <a:fld id="{84BFBD06-C461-48D3-9DB8-6D0B967C0C74}" type="datetimeFigureOut">
               <a:rPr lang="ko-KR" altLang="en-US" smtClean="0"/>
-              <a:t>2023-10-10</a:t>
+              <a:t>2023-10-12</a:t>
             </a:fld>
             <a:endParaRPr lang="ko-KR" altLang="en-US"/>
           </a:p>
@@ -1004,7 +1009,7 @@
           <a:p>
             <a:fld id="{84BFBD06-C461-48D3-9DB8-6D0B967C0C74}" type="datetimeFigureOut">
               <a:rPr lang="ko-KR" altLang="en-US" smtClean="0"/>
-              <a:t>2023-10-10</a:t>
+              <a:t>2023-10-12</a:t>
             </a:fld>
             <a:endParaRPr lang="ko-KR" altLang="en-US"/>
           </a:p>
@@ -1236,7 +1241,7 @@
           <a:p>
             <a:fld id="{84BFBD06-C461-48D3-9DB8-6D0B967C0C74}" type="datetimeFigureOut">
               <a:rPr lang="ko-KR" altLang="en-US" smtClean="0"/>
-              <a:t>2023-10-10</a:t>
+              <a:t>2023-10-12</a:t>
             </a:fld>
             <a:endParaRPr lang="ko-KR" altLang="en-US"/>
           </a:p>
@@ -1603,7 +1608,7 @@
           <a:p>
             <a:fld id="{84BFBD06-C461-48D3-9DB8-6D0B967C0C74}" type="datetimeFigureOut">
               <a:rPr lang="ko-KR" altLang="en-US" smtClean="0"/>
-              <a:t>2023-10-10</a:t>
+              <a:t>2023-10-12</a:t>
             </a:fld>
             <a:endParaRPr lang="ko-KR" altLang="en-US"/>
           </a:p>
@@ -1721,7 +1726,7 @@
           <a:p>
             <a:fld id="{84BFBD06-C461-48D3-9DB8-6D0B967C0C74}" type="datetimeFigureOut">
               <a:rPr lang="ko-KR" altLang="en-US" smtClean="0"/>
-              <a:t>2023-10-10</a:t>
+              <a:t>2023-10-12</a:t>
             </a:fld>
             <a:endParaRPr lang="ko-KR" altLang="en-US"/>
           </a:p>
@@ -1816,7 +1821,7 @@
           <a:p>
             <a:fld id="{84BFBD06-C461-48D3-9DB8-6D0B967C0C74}" type="datetimeFigureOut">
               <a:rPr lang="ko-KR" altLang="en-US" smtClean="0"/>
-              <a:t>2023-10-10</a:t>
+              <a:t>2023-10-12</a:t>
             </a:fld>
             <a:endParaRPr lang="ko-KR" altLang="en-US"/>
           </a:p>
@@ -2093,7 +2098,7 @@
           <a:p>
             <a:fld id="{84BFBD06-C461-48D3-9DB8-6D0B967C0C74}" type="datetimeFigureOut">
               <a:rPr lang="ko-KR" altLang="en-US" smtClean="0"/>
-              <a:t>2023-10-10</a:t>
+              <a:t>2023-10-12</a:t>
             </a:fld>
             <a:endParaRPr lang="ko-KR" altLang="en-US"/>
           </a:p>
@@ -2346,7 +2351,7 @@
           <a:p>
             <a:fld id="{84BFBD06-C461-48D3-9DB8-6D0B967C0C74}" type="datetimeFigureOut">
               <a:rPr lang="ko-KR" altLang="en-US" smtClean="0"/>
-              <a:t>2023-10-10</a:t>
+              <a:t>2023-10-12</a:t>
             </a:fld>
             <a:endParaRPr lang="ko-KR" altLang="en-US"/>
           </a:p>
@@ -2559,7 +2564,7 @@
           <a:p>
             <a:fld id="{84BFBD06-C461-48D3-9DB8-6D0B967C0C74}" type="datetimeFigureOut">
               <a:rPr lang="ko-KR" altLang="en-US" smtClean="0"/>
-              <a:t>2023-10-10</a:t>
+              <a:t>2023-10-12</a:t>
             </a:fld>
             <a:endParaRPr lang="ko-KR" altLang="en-US"/>
           </a:p>
@@ -2964,50 +2969,63 @@
           <a:chExt cx="0" cy="0"/>
         </a:xfrm>
       </p:grpSpPr>
-      <p:sp>
-        <p:nvSpPr>
-          <p:cNvPr id="4" name="TextBox 3"/>
-          <p:cNvSpPr txBox="1"/>
+      <p:cxnSp>
+        <p:nvCxnSpPr>
+          <p:cNvPr id="56" name="직선 연결선 55"/>
+          <p:cNvCxnSpPr/>
           <p:nvPr/>
-        </p:nvSpPr>
-        <p:spPr>
-          <a:xfrm>
-            <a:off x="681644" y="665018"/>
-            <a:ext cx="1338828" cy="369332"/>
+        </p:nvCxnSpPr>
+        <p:spPr>
+          <a:xfrm>
+            <a:off x="6274434" y="3227320"/>
+            <a:ext cx="1083376" cy="0"/>
+          </a:xfrm>
+          <a:prstGeom prst="line">
+            <a:avLst/>
+          </a:prstGeom>
+          <a:ln>
+            <a:solidFill>
+              <a:schemeClr val="tx1"/>
+            </a:solidFill>
+          </a:ln>
+        </p:spPr>
+        <p:style>
+          <a:lnRef idx="1">
+            <a:schemeClr val="accent1"/>
+          </a:lnRef>
+          <a:fillRef idx="0">
+            <a:schemeClr val="accent1"/>
+          </a:fillRef>
+          <a:effectRef idx="0">
+            <a:schemeClr val="accent1"/>
+          </a:effectRef>
+          <a:fontRef idx="minor">
+            <a:schemeClr val="tx1"/>
+          </a:fontRef>
+        </p:style>
+      </p:cxnSp>
+      <p:sp>
+        <p:nvSpPr>
+          <p:cNvPr id="6" name="직사각형 5"/>
+          <p:cNvSpPr/>
+          <p:nvPr/>
+        </p:nvSpPr>
+        <p:spPr>
+          <a:xfrm>
+            <a:off x="681644" y="1585494"/>
+            <a:ext cx="914400" cy="191193"/>
           </a:xfrm>
           <a:prstGeom prst="rect">
             <a:avLst/>
           </a:prstGeom>
-          <a:noFill/>
-        </p:spPr>
-        <p:txBody>
-          <a:bodyPr wrap="none" rtlCol="0">
-            <a:spAutoFit/>
-          </a:bodyPr>
-          <a:lstStyle/>
-          <a:p>
-            <a:r>
-              <a:rPr lang="ko-KR" altLang="en-US" dirty="0" err="1" smtClean="0"/>
-              <a:t>정보구조도</a:t>
-            </a:r>
-            <a:endParaRPr lang="ko-KR" altLang="en-US" dirty="0"/>
-          </a:p>
-        </p:txBody>
-      </p:sp>
-      <p:sp>
-        <p:nvSpPr>
-          <p:cNvPr id="6" name="직사각형 5"/>
-          <p:cNvSpPr/>
-          <p:nvPr/>
-        </p:nvSpPr>
-        <p:spPr>
-          <a:xfrm>
-            <a:off x="681644" y="1255221"/>
-            <a:ext cx="914400" cy="191193"/>
-          </a:xfrm>
-          <a:prstGeom prst="rect">
-            <a:avLst/>
-          </a:prstGeom>
+          <a:solidFill>
+            <a:srgbClr val="FEF6C6"/>
+          </a:solidFill>
+          <a:ln>
+            <a:solidFill>
+              <a:schemeClr val="tx1"/>
+            </a:solidFill>
+          </a:ln>
         </p:spPr>
         <p:style>
           <a:lnRef idx="2">
@@ -3031,7 +3049,11 @@
           <a:p>
             <a:pPr algn="ctr"/>
             <a:r>
-              <a:rPr lang="en-US" altLang="ko-KR" sz="800" dirty="0" smtClean="0"/>
+              <a:rPr lang="en-US" altLang="ko-KR" sz="800" dirty="0" smtClean="0">
+                <a:solidFill>
+                  <a:schemeClr val="tx1"/>
+                </a:solidFill>
+              </a:rPr>
               <a:t>Depth 1</a:t>
             </a:r>
           </a:p>
@@ -3045,12 +3067,20 @@
         </p:nvSpPr>
         <p:spPr>
           <a:xfrm>
-            <a:off x="681644" y="1509342"/>
+            <a:off x="681644" y="1839615"/>
             <a:ext cx="914400" cy="191193"/>
           </a:xfrm>
           <a:prstGeom prst="rect">
             <a:avLst/>
           </a:prstGeom>
+          <a:solidFill>
+            <a:srgbClr val="D4E7A3"/>
+          </a:solidFill>
+          <a:ln>
+            <a:solidFill>
+              <a:schemeClr val="tx1"/>
+            </a:solidFill>
+          </a:ln>
         </p:spPr>
         <p:style>
           <a:lnRef idx="2">
@@ -3074,9 +3104,26 @@
           <a:p>
             <a:pPr algn="ctr"/>
             <a:r>
-              <a:rPr lang="en-US" altLang="ko-KR" sz="800" dirty="0" smtClean="0"/>
-              <a:t>Depth 1</a:t>
-            </a:r>
+              <a:rPr lang="en-US" altLang="ko-KR" sz="800" dirty="0" smtClean="0">
+                <a:solidFill>
+                  <a:schemeClr val="tx1"/>
+                </a:solidFill>
+              </a:rPr>
+              <a:t>Depth </a:t>
+            </a:r>
+            <a:r>
+              <a:rPr lang="en-US" altLang="ko-KR" sz="800" dirty="0" smtClean="0">
+                <a:solidFill>
+                  <a:schemeClr val="tx1"/>
+                </a:solidFill>
+              </a:rPr>
+              <a:t>2</a:t>
+            </a:r>
+            <a:endParaRPr lang="en-US" altLang="ko-KR" sz="800" dirty="0" smtClean="0">
+              <a:solidFill>
+                <a:schemeClr val="tx1"/>
+              </a:solidFill>
+            </a:endParaRPr>
           </a:p>
         </p:txBody>
       </p:sp>
@@ -3088,12 +3135,20 @@
         </p:nvSpPr>
         <p:spPr>
           <a:xfrm>
-            <a:off x="681644" y="1763463"/>
+            <a:off x="681644" y="2093736"/>
             <a:ext cx="914400" cy="191193"/>
           </a:xfrm>
           <a:prstGeom prst="rect">
             <a:avLst/>
           </a:prstGeom>
+          <a:solidFill>
+            <a:srgbClr val="94DD8B"/>
+          </a:solidFill>
+          <a:ln>
+            <a:solidFill>
+              <a:schemeClr val="tx1"/>
+            </a:solidFill>
+          </a:ln>
         </p:spPr>
         <p:style>
           <a:lnRef idx="2">
@@ -3117,9 +3172,26 @@
           <a:p>
             <a:pPr algn="ctr"/>
             <a:r>
-              <a:rPr lang="en-US" altLang="ko-KR" sz="800" dirty="0" smtClean="0"/>
-              <a:t>Depth 1</a:t>
-            </a:r>
+              <a:rPr lang="en-US" altLang="ko-KR" sz="800" dirty="0" smtClean="0">
+                <a:solidFill>
+                  <a:schemeClr val="tx1"/>
+                </a:solidFill>
+              </a:rPr>
+              <a:t>Depth </a:t>
+            </a:r>
+            <a:r>
+              <a:rPr lang="en-US" altLang="ko-KR" sz="800" dirty="0" smtClean="0">
+                <a:solidFill>
+                  <a:schemeClr val="tx1"/>
+                </a:solidFill>
+              </a:rPr>
+              <a:t>3</a:t>
+            </a:r>
+            <a:endParaRPr lang="en-US" altLang="ko-KR" sz="800" dirty="0" smtClean="0">
+              <a:solidFill>
+                <a:schemeClr val="tx1"/>
+              </a:solidFill>
+            </a:endParaRPr>
           </a:p>
         </p:txBody>
       </p:sp>
@@ -3131,12 +3203,20 @@
         </p:nvSpPr>
         <p:spPr>
           <a:xfrm>
-            <a:off x="681644" y="2017584"/>
+            <a:off x="681644" y="2347857"/>
             <a:ext cx="914400" cy="191193"/>
           </a:xfrm>
           <a:prstGeom prst="rect">
             <a:avLst/>
           </a:prstGeom>
+          <a:solidFill>
+            <a:srgbClr val="0CD295"/>
+          </a:solidFill>
+          <a:ln>
+            <a:solidFill>
+              <a:schemeClr val="tx1"/>
+            </a:solidFill>
+          </a:ln>
         </p:spPr>
         <p:style>
           <a:lnRef idx="2">
@@ -3160,9 +3240,26 @@
           <a:p>
             <a:pPr algn="ctr"/>
             <a:r>
-              <a:rPr lang="en-US" altLang="ko-KR" sz="800" dirty="0" smtClean="0"/>
-              <a:t>Depth 1</a:t>
-            </a:r>
+              <a:rPr lang="en-US" altLang="ko-KR" sz="800" dirty="0" smtClean="0">
+                <a:solidFill>
+                  <a:schemeClr val="tx1"/>
+                </a:solidFill>
+              </a:rPr>
+              <a:t>Depth </a:t>
+            </a:r>
+            <a:r>
+              <a:rPr lang="en-US" altLang="ko-KR" sz="800" dirty="0" smtClean="0">
+                <a:solidFill>
+                  <a:schemeClr val="tx1"/>
+                </a:solidFill>
+              </a:rPr>
+              <a:t>4</a:t>
+            </a:r>
+            <a:endParaRPr lang="en-US" altLang="ko-KR" sz="800" dirty="0" smtClean="0">
+              <a:solidFill>
+                <a:schemeClr val="tx1"/>
+              </a:solidFill>
+            </a:endParaRPr>
           </a:p>
         </p:txBody>
       </p:sp>
@@ -3174,12 +3271,20 @@
         </p:nvSpPr>
         <p:spPr>
           <a:xfrm>
-            <a:off x="681644" y="2271705"/>
+            <a:off x="681644" y="2601978"/>
             <a:ext cx="914400" cy="191193"/>
           </a:xfrm>
           <a:prstGeom prst="rect">
             <a:avLst/>
           </a:prstGeom>
+          <a:solidFill>
+            <a:srgbClr val="019587"/>
+          </a:solidFill>
+          <a:ln>
+            <a:solidFill>
+              <a:schemeClr val="tx1"/>
+            </a:solidFill>
+          </a:ln>
         </p:spPr>
         <p:style>
           <a:lnRef idx="2">
@@ -3203,9 +3308,26 @@
           <a:p>
             <a:pPr algn="ctr"/>
             <a:r>
-              <a:rPr lang="en-US" altLang="ko-KR" sz="800" dirty="0" smtClean="0"/>
-              <a:t>Depth 1</a:t>
-            </a:r>
+              <a:rPr lang="en-US" altLang="ko-KR" sz="800" dirty="0" smtClean="0">
+                <a:solidFill>
+                  <a:schemeClr val="tx1"/>
+                </a:solidFill>
+              </a:rPr>
+              <a:t>Depth </a:t>
+            </a:r>
+            <a:r>
+              <a:rPr lang="en-US" altLang="ko-KR" sz="800" dirty="0" smtClean="0">
+                <a:solidFill>
+                  <a:schemeClr val="tx1"/>
+                </a:solidFill>
+              </a:rPr>
+              <a:t>5</a:t>
+            </a:r>
+            <a:endParaRPr lang="en-US" altLang="ko-KR" sz="800" dirty="0" smtClean="0">
+              <a:solidFill>
+                <a:schemeClr val="tx1"/>
+              </a:solidFill>
+            </a:endParaRPr>
           </a:p>
         </p:txBody>
       </p:sp>
@@ -3217,12 +3339,20 @@
         </p:nvSpPr>
         <p:spPr>
           <a:xfrm>
-            <a:off x="5530445" y="2462898"/>
+            <a:off x="5530445" y="2129962"/>
             <a:ext cx="1487978" cy="608655"/>
           </a:xfrm>
           <a:prstGeom prst="rect">
             <a:avLst/>
           </a:prstGeom>
+          <a:solidFill>
+            <a:srgbClr val="FEF6C6"/>
+          </a:solidFill>
+          <a:ln>
+            <a:solidFill>
+              <a:schemeClr val="tx1"/>
+            </a:solidFill>
+          </a:ln>
         </p:spPr>
         <p:style>
           <a:lnRef idx="2">
@@ -3246,18 +3376,34 @@
           <a:p>
             <a:pPr algn="ctr"/>
             <a:r>
-              <a:rPr lang="en-US" altLang="ko-KR" dirty="0" smtClean="0"/>
+              <a:rPr lang="en-US" altLang="ko-KR" sz="1000" b="1" dirty="0" smtClean="0">
+                <a:solidFill>
+                  <a:schemeClr val="tx1"/>
+                </a:solidFill>
+              </a:rPr>
               <a:t>Main</a:t>
             </a:r>
             <a:r>
-              <a:rPr lang="ko-KR" altLang="en-US" dirty="0" smtClean="0"/>
+              <a:rPr lang="ko-KR" altLang="en-US" sz="1000" b="1" dirty="0" smtClean="0">
+                <a:solidFill>
+                  <a:schemeClr val="tx1"/>
+                </a:solidFill>
+              </a:rPr>
               <a:t> </a:t>
             </a:r>
             <a:r>
-              <a:rPr lang="en-US" altLang="ko-KR" dirty="0" smtClean="0"/>
+              <a:rPr lang="en-US" altLang="ko-KR" sz="1000" b="1" dirty="0" smtClean="0">
+                <a:solidFill>
+                  <a:schemeClr val="tx1"/>
+                </a:solidFill>
+              </a:rPr>
               <a:t>Page</a:t>
             </a:r>
-            <a:endParaRPr lang="ko-KR" altLang="en-US" dirty="0"/>
+            <a:endParaRPr lang="ko-KR" altLang="en-US" sz="1000" b="1" dirty="0">
+              <a:solidFill>
+                <a:schemeClr val="tx1"/>
+              </a:solidFill>
+            </a:endParaRPr>
           </a:p>
         </p:txBody>
       </p:sp>
@@ -3275,6 +3421,14 @@
           <a:prstGeom prst="rect">
             <a:avLst/>
           </a:prstGeom>
+          <a:solidFill>
+            <a:srgbClr val="0CD295"/>
+          </a:solidFill>
+          <a:ln>
+            <a:solidFill>
+              <a:schemeClr val="tx1"/>
+            </a:solidFill>
+          </a:ln>
         </p:spPr>
         <p:style>
           <a:lnRef idx="2">
@@ -3298,18 +3452,18 @@
           <a:p>
             <a:pPr algn="ctr"/>
             <a:r>
-              <a:rPr lang="en-US" altLang="ko-KR" dirty="0" smtClean="0"/>
-              <a:t>Main</a:t>
-            </a:r>
-            <a:r>
-              <a:rPr lang="ko-KR" altLang="en-US" dirty="0" smtClean="0"/>
-              <a:t> </a:t>
-            </a:r>
-            <a:r>
-              <a:rPr lang="en-US" altLang="ko-KR" dirty="0" smtClean="0"/>
-              <a:t>Page</a:t>
-            </a:r>
-            <a:endParaRPr lang="ko-KR" altLang="en-US" dirty="0"/>
+              <a:rPr lang="en-US" altLang="ko-KR" sz="1000" dirty="0" smtClean="0">
+                <a:solidFill>
+                  <a:schemeClr val="tx1"/>
+                </a:solidFill>
+              </a:rPr>
+              <a:t>Sitemap</a:t>
+            </a:r>
+            <a:endParaRPr lang="ko-KR" altLang="en-US" sz="1000" dirty="0">
+              <a:solidFill>
+                <a:schemeClr val="tx1"/>
+              </a:solidFill>
+            </a:endParaRPr>
           </a:p>
         </p:txBody>
       </p:sp>
@@ -3327,6 +3481,14 @@
           <a:prstGeom prst="rect">
             <a:avLst/>
           </a:prstGeom>
+          <a:solidFill>
+            <a:srgbClr val="0CD295"/>
+          </a:solidFill>
+          <a:ln>
+            <a:solidFill>
+              <a:schemeClr val="tx1"/>
+            </a:solidFill>
+          </a:ln>
         </p:spPr>
         <p:style>
           <a:lnRef idx="2">
@@ -3350,18 +3512,18 @@
           <a:p>
             <a:pPr algn="ctr"/>
             <a:r>
-              <a:rPr lang="en-US" altLang="ko-KR" dirty="0" smtClean="0"/>
-              <a:t>Main</a:t>
-            </a:r>
-            <a:r>
-              <a:rPr lang="ko-KR" altLang="en-US" dirty="0" smtClean="0"/>
-              <a:t> </a:t>
-            </a:r>
-            <a:r>
-              <a:rPr lang="en-US" altLang="ko-KR" dirty="0" smtClean="0"/>
-              <a:t>Page</a:t>
-            </a:r>
-            <a:endParaRPr lang="ko-KR" altLang="en-US" dirty="0"/>
+              <a:rPr lang="ko-KR" altLang="en-US" sz="1000" dirty="0" smtClean="0">
+                <a:solidFill>
+                  <a:schemeClr val="tx1"/>
+                </a:solidFill>
+              </a:rPr>
+              <a:t>개인정보처리방침</a:t>
+            </a:r>
+            <a:endParaRPr lang="en-US" altLang="ko-KR" sz="1000" dirty="0" smtClean="0">
+              <a:solidFill>
+                <a:schemeClr val="tx1"/>
+              </a:solidFill>
+            </a:endParaRPr>
           </a:p>
         </p:txBody>
       </p:sp>
@@ -3379,6 +3541,14 @@
           <a:prstGeom prst="rect">
             <a:avLst/>
           </a:prstGeom>
+          <a:solidFill>
+            <a:srgbClr val="0CD295"/>
+          </a:solidFill>
+          <a:ln>
+            <a:solidFill>
+              <a:schemeClr val="tx1"/>
+            </a:solidFill>
+          </a:ln>
         </p:spPr>
         <p:style>
           <a:lnRef idx="2">
@@ -3402,35 +3572,43 @@
           <a:p>
             <a:pPr algn="ctr"/>
             <a:r>
-              <a:rPr lang="en-US" altLang="ko-KR" dirty="0" smtClean="0"/>
-              <a:t>Main</a:t>
-            </a:r>
-            <a:r>
-              <a:rPr lang="ko-KR" altLang="en-US" dirty="0" smtClean="0"/>
-              <a:t> </a:t>
-            </a:r>
-            <a:r>
-              <a:rPr lang="en-US" altLang="ko-KR" dirty="0" smtClean="0"/>
-              <a:t>Page</a:t>
-            </a:r>
-            <a:endParaRPr lang="ko-KR" altLang="en-US" dirty="0"/>
-          </a:p>
-        </p:txBody>
-      </p:sp>
-      <p:sp>
-        <p:nvSpPr>
-          <p:cNvPr id="19" name="직사각형 18"/>
+              <a:rPr lang="ko-KR" altLang="en-US" sz="1000" dirty="0" smtClean="0">
+                <a:solidFill>
+                  <a:schemeClr val="tx1"/>
+                </a:solidFill>
+              </a:rPr>
+              <a:t>이메일무단수집거부</a:t>
+            </a:r>
+            <a:endParaRPr lang="ko-KR" altLang="en-US" sz="1000" dirty="0">
+              <a:solidFill>
+                <a:schemeClr val="tx1"/>
+              </a:solidFill>
+            </a:endParaRPr>
+          </a:p>
+        </p:txBody>
+      </p:sp>
+      <p:sp>
+        <p:nvSpPr>
+          <p:cNvPr id="20" name="직사각형 19"/>
           <p:cNvSpPr/>
           <p:nvPr/>
         </p:nvSpPr>
         <p:spPr>
           <a:xfrm>
-            <a:off x="1300223" y="5062375"/>
-            <a:ext cx="1297744" cy="181317"/>
+            <a:off x="7357810" y="3232101"/>
+            <a:ext cx="1487978" cy="207896"/>
           </a:xfrm>
           <a:prstGeom prst="rect">
             <a:avLst/>
           </a:prstGeom>
+          <a:solidFill>
+            <a:srgbClr val="0CD295"/>
+          </a:solidFill>
+          <a:ln>
+            <a:solidFill>
+              <a:schemeClr val="tx1"/>
+            </a:solidFill>
+          </a:ln>
         </p:spPr>
         <p:style>
           <a:lnRef idx="2">
@@ -3454,35 +3632,46 @@
           <a:p>
             <a:pPr algn="ctr"/>
             <a:r>
-              <a:rPr lang="en-US" altLang="ko-KR" dirty="0" smtClean="0"/>
-              <a:t>Main</a:t>
-            </a:r>
-            <a:r>
-              <a:rPr lang="ko-KR" altLang="en-US" dirty="0" smtClean="0"/>
-              <a:t> </a:t>
-            </a:r>
-            <a:r>
-              <a:rPr lang="en-US" altLang="ko-KR" dirty="0" smtClean="0"/>
-              <a:t>Page</a:t>
-            </a:r>
-            <a:endParaRPr lang="ko-KR" altLang="en-US" dirty="0"/>
-          </a:p>
-        </p:txBody>
-      </p:sp>
-      <p:sp>
-        <p:nvSpPr>
-          <p:cNvPr id="20" name="직사각형 19"/>
+              <a:rPr lang="ko-KR" altLang="en-US" sz="1000" dirty="0" smtClean="0">
+                <a:solidFill>
+                  <a:schemeClr val="tx1"/>
+                </a:solidFill>
+              </a:rPr>
+              <a:t>회원가입</a:t>
+            </a:r>
+            <a:endParaRPr lang="ko-KR" altLang="en-US" sz="1000" dirty="0">
+              <a:solidFill>
+                <a:schemeClr val="tx1"/>
+              </a:solidFill>
+            </a:endParaRPr>
+          </a:p>
+        </p:txBody>
+      </p:sp>
+      <p:sp>
+        <p:nvSpPr>
+          <p:cNvPr id="21" name="직사각형 20"/>
           <p:cNvSpPr/>
           <p:nvPr/>
         </p:nvSpPr>
         <p:spPr>
           <a:xfrm>
-            <a:off x="7606147" y="3589880"/>
+            <a:off x="9377803" y="3022711"/>
             <a:ext cx="1487978" cy="207896"/>
           </a:xfrm>
           <a:prstGeom prst="rect">
             <a:avLst/>
           </a:prstGeom>
+          <a:solidFill>
+            <a:schemeClr val="accent1">
+              <a:lumMod val="40000"/>
+              <a:lumOff val="60000"/>
+            </a:schemeClr>
+          </a:solidFill>
+          <a:ln>
+            <a:solidFill>
+              <a:schemeClr val="tx1"/>
+            </a:solidFill>
+          </a:ln>
         </p:spPr>
         <p:style>
           <a:lnRef idx="2">
@@ -3506,35 +3695,40 @@
           <a:p>
             <a:pPr algn="ctr"/>
             <a:r>
-              <a:rPr lang="en-US" altLang="ko-KR" dirty="0" smtClean="0"/>
-              <a:t>Main</a:t>
-            </a:r>
-            <a:r>
-              <a:rPr lang="ko-KR" altLang="en-US" dirty="0" smtClean="0"/>
-              <a:t> </a:t>
-            </a:r>
-            <a:r>
-              <a:rPr lang="en-US" altLang="ko-KR" dirty="0" smtClean="0"/>
-              <a:t>Page</a:t>
-            </a:r>
-            <a:endParaRPr lang="ko-KR" altLang="en-US" dirty="0"/>
-          </a:p>
-        </p:txBody>
-      </p:sp>
-      <p:sp>
-        <p:nvSpPr>
-          <p:cNvPr id="21" name="직사각형 20"/>
+              <a:rPr lang="ko-KR" altLang="en-US" sz="1000" dirty="0" smtClean="0">
+                <a:solidFill>
+                  <a:schemeClr val="tx1"/>
+                </a:solidFill>
+              </a:rPr>
+              <a:t>관리자 모드</a:t>
+            </a:r>
+            <a:endParaRPr lang="ko-KR" altLang="en-US" sz="1000" dirty="0">
+              <a:solidFill>
+                <a:schemeClr val="tx1"/>
+              </a:solidFill>
+            </a:endParaRPr>
+          </a:p>
+        </p:txBody>
+      </p:sp>
+      <p:sp>
+        <p:nvSpPr>
+          <p:cNvPr id="22" name="직사각형 21"/>
           <p:cNvSpPr/>
           <p:nvPr/>
         </p:nvSpPr>
         <p:spPr>
           <a:xfrm>
-            <a:off x="9626140" y="3381984"/>
+            <a:off x="9377803" y="3431684"/>
             <a:ext cx="1487978" cy="207896"/>
           </a:xfrm>
           <a:prstGeom prst="rect">
             <a:avLst/>
           </a:prstGeom>
+          <a:ln>
+            <a:solidFill>
+              <a:schemeClr val="tx1"/>
+            </a:solidFill>
+          </a:ln>
         </p:spPr>
         <p:style>
           <a:lnRef idx="2">
@@ -3558,35 +3752,59 @@
           <a:p>
             <a:pPr algn="ctr"/>
             <a:r>
-              <a:rPr lang="en-US" altLang="ko-KR" dirty="0" smtClean="0"/>
+              <a:rPr lang="en-US" altLang="ko-KR" sz="1000" dirty="0" smtClean="0">
+                <a:solidFill>
+                  <a:schemeClr val="tx1"/>
+                </a:solidFill>
+              </a:rPr>
               <a:t>Main</a:t>
             </a:r>
             <a:r>
-              <a:rPr lang="ko-KR" altLang="en-US" dirty="0" smtClean="0"/>
+              <a:rPr lang="ko-KR" altLang="en-US" sz="1000" dirty="0" smtClean="0">
+                <a:solidFill>
+                  <a:schemeClr val="tx1"/>
+                </a:solidFill>
+              </a:rPr>
               <a:t> </a:t>
             </a:r>
             <a:r>
-              <a:rPr lang="en-US" altLang="ko-KR" dirty="0" smtClean="0"/>
+              <a:rPr lang="en-US" altLang="ko-KR" sz="1000" dirty="0" smtClean="0">
+                <a:solidFill>
+                  <a:schemeClr val="tx1"/>
+                </a:solidFill>
+              </a:rPr>
               <a:t>Page</a:t>
             </a:r>
-            <a:endParaRPr lang="ko-KR" altLang="en-US" dirty="0"/>
-          </a:p>
-        </p:txBody>
-      </p:sp>
-      <p:sp>
-        <p:nvSpPr>
-          <p:cNvPr id="22" name="직사각형 21"/>
+            <a:endParaRPr lang="ko-KR" altLang="en-US" sz="1000" dirty="0">
+              <a:solidFill>
+                <a:schemeClr val="tx1"/>
+              </a:solidFill>
+            </a:endParaRPr>
+          </a:p>
+        </p:txBody>
+      </p:sp>
+      <p:sp>
+        <p:nvSpPr>
+          <p:cNvPr id="24" name="직사각형 23"/>
           <p:cNvSpPr/>
           <p:nvPr/>
         </p:nvSpPr>
         <p:spPr>
           <a:xfrm>
-            <a:off x="9626140" y="3797776"/>
+            <a:off x="9377803" y="3348257"/>
             <a:ext cx="1487978" cy="207896"/>
           </a:xfrm>
           <a:prstGeom prst="rect">
             <a:avLst/>
           </a:prstGeom>
+          <a:solidFill>
+            <a:srgbClr val="D4E7A3"/>
+          </a:solidFill>
+          <a:ln>
+            <a:solidFill>
+              <a:schemeClr val="tx1"/>
+            </a:solidFill>
+          </a:ln>
         </p:spPr>
         <p:style>
           <a:lnRef idx="2">
@@ -3610,35 +3828,43 @@
           <a:p>
             <a:pPr algn="ctr"/>
             <a:r>
-              <a:rPr lang="en-US" altLang="ko-KR" dirty="0" smtClean="0"/>
-              <a:t>Main</a:t>
-            </a:r>
-            <a:r>
-              <a:rPr lang="ko-KR" altLang="en-US" dirty="0" smtClean="0"/>
-              <a:t> </a:t>
-            </a:r>
-            <a:r>
-              <a:rPr lang="en-US" altLang="ko-KR" dirty="0" smtClean="0"/>
-              <a:t>Page</a:t>
-            </a:r>
-            <a:endParaRPr lang="ko-KR" altLang="en-US" dirty="0"/>
-          </a:p>
-        </p:txBody>
-      </p:sp>
-      <p:sp>
-        <p:nvSpPr>
-          <p:cNvPr id="23" name="직사각형 22"/>
+              <a:rPr lang="ko-KR" altLang="en-US" sz="1000" dirty="0" smtClean="0">
+                <a:solidFill>
+                  <a:schemeClr val="tx1"/>
+                </a:solidFill>
+              </a:rPr>
+              <a:t>비밀번호 변경</a:t>
+            </a:r>
+            <a:endParaRPr lang="ko-KR" altLang="en-US" sz="1000" dirty="0">
+              <a:solidFill>
+                <a:schemeClr val="tx1"/>
+              </a:solidFill>
+            </a:endParaRPr>
+          </a:p>
+        </p:txBody>
+      </p:sp>
+      <p:sp>
+        <p:nvSpPr>
+          <p:cNvPr id="25" name="직사각형 24"/>
           <p:cNvSpPr/>
           <p:nvPr/>
         </p:nvSpPr>
         <p:spPr>
           <a:xfrm>
-            <a:off x="9626140" y="4005672"/>
+            <a:off x="9377803" y="3556153"/>
             <a:ext cx="1487978" cy="207896"/>
           </a:xfrm>
           <a:prstGeom prst="rect">
             <a:avLst/>
           </a:prstGeom>
+          <a:solidFill>
+            <a:srgbClr val="D4E7A3"/>
+          </a:solidFill>
+          <a:ln>
+            <a:solidFill>
+              <a:schemeClr val="tx1"/>
+            </a:solidFill>
+          </a:ln>
         </p:spPr>
         <p:style>
           <a:lnRef idx="2">
@@ -3662,35 +3888,46 @@
           <a:p>
             <a:pPr algn="ctr"/>
             <a:r>
-              <a:rPr lang="en-US" altLang="ko-KR" dirty="0" smtClean="0"/>
-              <a:t>Main</a:t>
-            </a:r>
-            <a:r>
-              <a:rPr lang="ko-KR" altLang="en-US" dirty="0" smtClean="0"/>
-              <a:t> </a:t>
-            </a:r>
-            <a:r>
-              <a:rPr lang="en-US" altLang="ko-KR" dirty="0" smtClean="0"/>
-              <a:t>Page</a:t>
-            </a:r>
-            <a:endParaRPr lang="ko-KR" altLang="en-US" dirty="0"/>
-          </a:p>
-        </p:txBody>
-      </p:sp>
-      <p:sp>
-        <p:nvSpPr>
-          <p:cNvPr id="24" name="직사각형 23"/>
+              <a:rPr lang="ko-KR" altLang="en-US" sz="1000" dirty="0" smtClean="0">
+                <a:solidFill>
+                  <a:schemeClr val="tx1"/>
+                </a:solidFill>
+              </a:rPr>
+              <a:t>로그아웃</a:t>
+            </a:r>
+            <a:endParaRPr lang="ko-KR" altLang="en-US" sz="1000" dirty="0">
+              <a:solidFill>
+                <a:schemeClr val="tx1"/>
+              </a:solidFill>
+            </a:endParaRPr>
+          </a:p>
+        </p:txBody>
+      </p:sp>
+      <p:sp>
+        <p:nvSpPr>
+          <p:cNvPr id="39" name="직사각형 38"/>
           <p:cNvSpPr/>
           <p:nvPr/>
         </p:nvSpPr>
         <p:spPr>
           <a:xfrm>
-            <a:off x="9626140" y="3789542"/>
-            <a:ext cx="1487978" cy="207896"/>
+            <a:off x="7018423" y="1492131"/>
+            <a:ext cx="1297744" cy="181317"/>
           </a:xfrm>
           <a:prstGeom prst="rect">
             <a:avLst/>
           </a:prstGeom>
+          <a:solidFill>
+            <a:schemeClr val="accent1">
+              <a:lumMod val="60000"/>
+              <a:lumOff val="40000"/>
+            </a:schemeClr>
+          </a:solidFill>
+          <a:ln>
+            <a:solidFill>
+              <a:schemeClr val="tx1"/>
+            </a:solidFill>
+          </a:ln>
         </p:spPr>
         <p:style>
           <a:lnRef idx="2">
@@ -3714,35 +3951,43 @@
           <a:p>
             <a:pPr algn="ctr"/>
             <a:r>
-              <a:rPr lang="en-US" altLang="ko-KR" dirty="0" smtClean="0"/>
-              <a:t>Main</a:t>
-            </a:r>
-            <a:r>
-              <a:rPr lang="ko-KR" altLang="en-US" dirty="0" smtClean="0"/>
-              <a:t> </a:t>
-            </a:r>
-            <a:r>
-              <a:rPr lang="en-US" altLang="ko-KR" dirty="0" smtClean="0"/>
-              <a:t>Page</a:t>
-            </a:r>
-            <a:endParaRPr lang="ko-KR" altLang="en-US" dirty="0"/>
-          </a:p>
-        </p:txBody>
-      </p:sp>
-      <p:sp>
-        <p:nvSpPr>
-          <p:cNvPr id="25" name="직사각형 24"/>
+              <a:rPr lang="ko-KR" altLang="en-US" sz="1000" dirty="0" smtClean="0">
+                <a:solidFill>
+                  <a:schemeClr val="tx1"/>
+                </a:solidFill>
+              </a:rPr>
+              <a:t>사이트 설정</a:t>
+            </a:r>
+            <a:endParaRPr lang="ko-KR" altLang="en-US" sz="1000" dirty="0">
+              <a:solidFill>
+                <a:schemeClr val="tx1"/>
+              </a:solidFill>
+            </a:endParaRPr>
+          </a:p>
+        </p:txBody>
+      </p:sp>
+      <p:sp>
+        <p:nvSpPr>
+          <p:cNvPr id="40" name="직사각형 39"/>
           <p:cNvSpPr/>
           <p:nvPr/>
         </p:nvSpPr>
         <p:spPr>
           <a:xfrm>
-            <a:off x="9626140" y="3997438"/>
-            <a:ext cx="1487978" cy="207896"/>
+            <a:off x="7018425" y="508771"/>
+            <a:ext cx="1297742" cy="837891"/>
           </a:xfrm>
           <a:prstGeom prst="rect">
             <a:avLst/>
           </a:prstGeom>
+          <a:solidFill>
+            <a:srgbClr val="5497D4"/>
+          </a:solidFill>
+          <a:ln>
+            <a:solidFill>
+              <a:schemeClr val="tx1"/>
+            </a:solidFill>
+          </a:ln>
         </p:spPr>
         <p:style>
           <a:lnRef idx="2">
@@ -3766,35 +4011,118 @@
           <a:p>
             <a:pPr algn="ctr"/>
             <a:r>
-              <a:rPr lang="en-US" altLang="ko-KR" dirty="0" smtClean="0"/>
-              <a:t>Main</a:t>
-            </a:r>
-            <a:r>
-              <a:rPr lang="ko-KR" altLang="en-US" dirty="0" smtClean="0"/>
-              <a:t> </a:t>
-            </a:r>
-            <a:r>
-              <a:rPr lang="en-US" altLang="ko-KR" dirty="0" smtClean="0"/>
-              <a:t>Page</a:t>
-            </a:r>
-            <a:endParaRPr lang="ko-KR" altLang="en-US" dirty="0"/>
-          </a:p>
-        </p:txBody>
-      </p:sp>
-      <p:sp>
-        <p:nvSpPr>
-          <p:cNvPr id="26" name="직사각형 25"/>
+              <a:rPr lang="ko-KR" altLang="en-US" sz="1000" dirty="0" smtClean="0">
+                <a:solidFill>
+                  <a:schemeClr val="tx1"/>
+                </a:solidFill>
+              </a:rPr>
+              <a:t>웹사이트 기본정보</a:t>
+            </a:r>
+            <a:endParaRPr lang="en-US" altLang="ko-KR" sz="1000" dirty="0" smtClean="0">
+              <a:solidFill>
+                <a:schemeClr val="tx1"/>
+              </a:solidFill>
+            </a:endParaRPr>
+          </a:p>
+          <a:p>
+            <a:pPr algn="ctr"/>
+            <a:r>
+              <a:rPr lang="ko-KR" altLang="en-US" sz="1000" dirty="0" smtClean="0">
+                <a:solidFill>
+                  <a:schemeClr val="tx1"/>
+                </a:solidFill>
+              </a:rPr>
+              <a:t>메인슬라이더</a:t>
+            </a:r>
+            <a:endParaRPr lang="en-US" altLang="ko-KR" sz="1000" dirty="0" smtClean="0">
+              <a:solidFill>
+                <a:schemeClr val="tx1"/>
+              </a:solidFill>
+            </a:endParaRPr>
+          </a:p>
+          <a:p>
+            <a:pPr algn="ctr"/>
+            <a:r>
+              <a:rPr lang="ko-KR" altLang="en-US" sz="1000" dirty="0" smtClean="0">
+                <a:solidFill>
+                  <a:schemeClr val="tx1"/>
+                </a:solidFill>
+              </a:rPr>
+              <a:t>팝업 관리</a:t>
+            </a:r>
+            <a:endParaRPr lang="en-US" altLang="ko-KR" sz="1000" dirty="0" smtClean="0">
+              <a:solidFill>
+                <a:schemeClr val="tx1"/>
+              </a:solidFill>
+            </a:endParaRPr>
+          </a:p>
+          <a:p>
+            <a:pPr algn="ctr"/>
+            <a:r>
+              <a:rPr lang="ko-KR" altLang="en-US" sz="1000" dirty="0" smtClean="0">
+                <a:solidFill>
+                  <a:schemeClr val="tx1"/>
+                </a:solidFill>
+              </a:rPr>
+              <a:t>관계사 </a:t>
+            </a:r>
+            <a:r>
+              <a:rPr lang="ko-KR" altLang="en-US" sz="1000" dirty="0" err="1" smtClean="0">
+                <a:solidFill>
+                  <a:schemeClr val="tx1"/>
+                </a:solidFill>
+              </a:rPr>
+              <a:t>링크관리</a:t>
+            </a:r>
+            <a:endParaRPr lang="en-US" altLang="ko-KR" sz="1000" dirty="0" smtClean="0">
+              <a:solidFill>
+                <a:schemeClr val="tx1"/>
+              </a:solidFill>
+            </a:endParaRPr>
+          </a:p>
+          <a:p>
+            <a:pPr algn="ctr"/>
+            <a:r>
+              <a:rPr lang="ko-KR" altLang="en-US" sz="1000" dirty="0" smtClean="0">
+                <a:solidFill>
+                  <a:schemeClr val="tx1"/>
+                </a:solidFill>
+              </a:rPr>
+              <a:t>회원관리</a:t>
+            </a:r>
+            <a:endParaRPr lang="en-US" altLang="ko-KR" sz="1000" dirty="0" smtClean="0">
+              <a:solidFill>
+                <a:schemeClr val="tx1"/>
+              </a:solidFill>
+            </a:endParaRPr>
+          </a:p>
+        </p:txBody>
+      </p:sp>
+      <p:sp>
+        <p:nvSpPr>
+          <p:cNvPr id="41" name="직사각형 40"/>
           <p:cNvSpPr/>
           <p:nvPr/>
         </p:nvSpPr>
         <p:spPr>
           <a:xfrm>
-            <a:off x="3054209" y="5062375"/>
+            <a:off x="8772409" y="1492130"/>
             <a:ext cx="1297744" cy="181317"/>
           </a:xfrm>
           <a:prstGeom prst="rect">
             <a:avLst/>
           </a:prstGeom>
+          <a:solidFill>
+            <a:schemeClr val="accent1">
+              <a:lumMod val="60000"/>
+              <a:lumOff val="40000"/>
+            </a:schemeClr>
+          </a:solidFill>
+          <a:ln>
+            <a:solidFill>
+              <a:schemeClr val="tx1"/>
+            </a:solidFill>
+          </a:ln>
         </p:spPr>
         <p:style>
           <a:lnRef idx="2">
@@ -3818,35 +4146,43 @@
           <a:p>
             <a:pPr algn="ctr"/>
             <a:r>
-              <a:rPr lang="en-US" altLang="ko-KR" dirty="0" smtClean="0"/>
-              <a:t>Main</a:t>
-            </a:r>
-            <a:r>
-              <a:rPr lang="ko-KR" altLang="en-US" dirty="0" smtClean="0"/>
-              <a:t> </a:t>
-            </a:r>
-            <a:r>
-              <a:rPr lang="en-US" altLang="ko-KR" dirty="0" smtClean="0"/>
-              <a:t>Page</a:t>
-            </a:r>
-            <a:endParaRPr lang="ko-KR" altLang="en-US" dirty="0"/>
-          </a:p>
-        </p:txBody>
-      </p:sp>
-      <p:sp>
-        <p:nvSpPr>
-          <p:cNvPr id="27" name="직사각형 26"/>
+              <a:rPr lang="ko-KR" altLang="en-US" sz="1000" dirty="0" smtClean="0">
+                <a:solidFill>
+                  <a:schemeClr val="tx1"/>
+                </a:solidFill>
+              </a:rPr>
+              <a:t>주요 정보 설정</a:t>
+            </a:r>
+            <a:endParaRPr lang="ko-KR" altLang="en-US" sz="1000" dirty="0">
+              <a:solidFill>
+                <a:schemeClr val="tx1"/>
+              </a:solidFill>
+            </a:endParaRPr>
+          </a:p>
+        </p:txBody>
+      </p:sp>
+      <p:sp>
+        <p:nvSpPr>
+          <p:cNvPr id="42" name="직사각형 41"/>
           <p:cNvSpPr/>
           <p:nvPr/>
         </p:nvSpPr>
         <p:spPr>
           <a:xfrm>
-            <a:off x="4808195" y="5062375"/>
-            <a:ext cx="1297744" cy="181317"/>
+            <a:off x="8772411" y="508771"/>
+            <a:ext cx="1297742" cy="837891"/>
           </a:xfrm>
           <a:prstGeom prst="rect">
             <a:avLst/>
           </a:prstGeom>
+          <a:solidFill>
+            <a:srgbClr val="5497D4"/>
+          </a:solidFill>
+          <a:ln>
+            <a:solidFill>
+              <a:schemeClr val="tx1"/>
+            </a:solidFill>
+          </a:ln>
         </p:spPr>
         <p:style>
           <a:lnRef idx="2">
@@ -3870,35 +4206,126 @@
           <a:p>
             <a:pPr algn="ctr"/>
             <a:r>
-              <a:rPr lang="en-US" altLang="ko-KR" dirty="0" smtClean="0"/>
-              <a:t>Main</a:t>
-            </a:r>
-            <a:r>
-              <a:rPr lang="ko-KR" altLang="en-US" dirty="0" smtClean="0"/>
-              <a:t> </a:t>
-            </a:r>
-            <a:r>
-              <a:rPr lang="en-US" altLang="ko-KR" dirty="0" smtClean="0"/>
-              <a:t>Page</a:t>
-            </a:r>
-            <a:endParaRPr lang="ko-KR" altLang="en-US" dirty="0"/>
-          </a:p>
-        </p:txBody>
-      </p:sp>
-      <p:sp>
-        <p:nvSpPr>
-          <p:cNvPr id="28" name="직사각형 27"/>
+              <a:rPr lang="ko-KR" altLang="en-US" sz="1000" dirty="0" smtClean="0">
+                <a:solidFill>
+                  <a:schemeClr val="tx1"/>
+                </a:solidFill>
+              </a:rPr>
+              <a:t>회사 연혁</a:t>
+            </a:r>
+            <a:endParaRPr lang="en-US" altLang="ko-KR" sz="1000" dirty="0" smtClean="0">
+              <a:solidFill>
+                <a:schemeClr val="tx1"/>
+              </a:solidFill>
+            </a:endParaRPr>
+          </a:p>
+          <a:p>
+            <a:pPr algn="ctr"/>
+            <a:r>
+              <a:rPr lang="ko-KR" altLang="en-US" sz="1000" dirty="0" smtClean="0">
+                <a:solidFill>
+                  <a:schemeClr val="tx1"/>
+                </a:solidFill>
+              </a:rPr>
+              <a:t>기술진 정보</a:t>
+            </a:r>
+            <a:endParaRPr lang="en-US" altLang="ko-KR" sz="1000" dirty="0" smtClean="0">
+              <a:solidFill>
+                <a:schemeClr val="tx1"/>
+              </a:solidFill>
+            </a:endParaRPr>
+          </a:p>
+          <a:p>
+            <a:pPr algn="ctr"/>
+            <a:r>
+              <a:rPr lang="ko-KR" altLang="en-US" sz="1000" dirty="0" smtClean="0">
+                <a:solidFill>
+                  <a:schemeClr val="tx1"/>
+                </a:solidFill>
+              </a:rPr>
+              <a:t>특허 정보</a:t>
+            </a:r>
+            <a:endParaRPr lang="en-US" altLang="ko-KR" sz="1000" dirty="0" smtClean="0">
+              <a:solidFill>
+                <a:schemeClr val="tx1"/>
+              </a:solidFill>
+            </a:endParaRPr>
+          </a:p>
+          <a:p>
+            <a:pPr algn="ctr"/>
+            <a:r>
+              <a:rPr lang="ko-KR" altLang="en-US" sz="1000" dirty="0" err="1" smtClean="0">
+                <a:solidFill>
+                  <a:schemeClr val="tx1"/>
+                </a:solidFill>
+              </a:rPr>
+              <a:t>주요제품</a:t>
+            </a:r>
+            <a:r>
+              <a:rPr lang="ko-KR" altLang="en-US" sz="1000" dirty="0" smtClean="0">
+                <a:solidFill>
+                  <a:schemeClr val="tx1"/>
+                </a:solidFill>
+              </a:rPr>
+              <a:t> 정보</a:t>
+            </a:r>
+            <a:endParaRPr lang="en-US" altLang="ko-KR" sz="1000" dirty="0" smtClean="0">
+              <a:solidFill>
+                <a:schemeClr val="tx1"/>
+              </a:solidFill>
+            </a:endParaRPr>
+          </a:p>
+          <a:p>
+            <a:pPr algn="ctr"/>
+            <a:r>
+              <a:rPr lang="ko-KR" altLang="en-US" sz="1000" dirty="0" err="1" smtClean="0">
+                <a:solidFill>
+                  <a:schemeClr val="tx1"/>
+                </a:solidFill>
+              </a:rPr>
+              <a:t>보유장비</a:t>
+            </a:r>
+            <a:r>
+              <a:rPr lang="ko-KR" altLang="en-US" sz="1000" dirty="0" smtClean="0">
+                <a:solidFill>
+                  <a:schemeClr val="tx1"/>
+                </a:solidFill>
+              </a:rPr>
+              <a:t> 정보</a:t>
+            </a:r>
+            <a:endParaRPr lang="en-US" altLang="ko-KR" sz="1000" dirty="0" smtClean="0">
+              <a:solidFill>
+                <a:schemeClr val="tx1"/>
+              </a:solidFill>
+            </a:endParaRPr>
+          </a:p>
+        </p:txBody>
+      </p:sp>
+      <p:sp>
+        <p:nvSpPr>
+          <p:cNvPr id="43" name="직사각형 42"/>
           <p:cNvSpPr/>
           <p:nvPr/>
         </p:nvSpPr>
         <p:spPr>
           <a:xfrm>
-            <a:off x="6562181" y="5062375"/>
+            <a:off x="10526395" y="1490891"/>
             <a:ext cx="1297744" cy="181317"/>
           </a:xfrm>
           <a:prstGeom prst="rect">
             <a:avLst/>
           </a:prstGeom>
+          <a:solidFill>
+            <a:schemeClr val="accent1">
+              <a:lumMod val="60000"/>
+              <a:lumOff val="40000"/>
+            </a:schemeClr>
+          </a:solidFill>
+          <a:ln>
+            <a:solidFill>
+              <a:schemeClr val="tx1"/>
+            </a:solidFill>
+          </a:ln>
         </p:spPr>
         <p:style>
           <a:lnRef idx="2">
@@ -3922,35 +4349,43 @@
           <a:p>
             <a:pPr algn="ctr"/>
             <a:r>
-              <a:rPr lang="en-US" altLang="ko-KR" dirty="0" smtClean="0"/>
-              <a:t>Main</a:t>
-            </a:r>
-            <a:r>
-              <a:rPr lang="ko-KR" altLang="en-US" dirty="0" smtClean="0"/>
-              <a:t> </a:t>
-            </a:r>
-            <a:r>
-              <a:rPr lang="en-US" altLang="ko-KR" dirty="0" smtClean="0"/>
-              <a:t>Page</a:t>
-            </a:r>
-            <a:endParaRPr lang="ko-KR" altLang="en-US" dirty="0"/>
-          </a:p>
-        </p:txBody>
-      </p:sp>
-      <p:sp>
-        <p:nvSpPr>
-          <p:cNvPr id="29" name="직사각형 28"/>
+              <a:rPr lang="ko-KR" altLang="en-US" sz="1000" dirty="0" smtClean="0">
+                <a:solidFill>
+                  <a:schemeClr val="tx1"/>
+                </a:solidFill>
+              </a:rPr>
+              <a:t>주요 페이지 설정</a:t>
+            </a:r>
+            <a:endParaRPr lang="ko-KR" altLang="en-US" sz="1000" dirty="0">
+              <a:solidFill>
+                <a:schemeClr val="tx1"/>
+              </a:solidFill>
+            </a:endParaRPr>
+          </a:p>
+        </p:txBody>
+      </p:sp>
+      <p:sp>
+        <p:nvSpPr>
+          <p:cNvPr id="44" name="직사각형 43"/>
           <p:cNvSpPr/>
           <p:nvPr/>
         </p:nvSpPr>
         <p:spPr>
           <a:xfrm>
-            <a:off x="8316167" y="5062375"/>
-            <a:ext cx="1297744" cy="181317"/>
+            <a:off x="10526397" y="508771"/>
+            <a:ext cx="1297742" cy="837891"/>
           </a:xfrm>
           <a:prstGeom prst="rect">
             <a:avLst/>
           </a:prstGeom>
+          <a:solidFill>
+            <a:srgbClr val="5497D4"/>
+          </a:solidFill>
+          <a:ln>
+            <a:solidFill>
+              <a:schemeClr val="tx1"/>
+            </a:solidFill>
+          </a:ln>
         </p:spPr>
         <p:style>
           <a:lnRef idx="2">
@@ -3974,746 +4409,50 @@
           <a:p>
             <a:pPr algn="ctr"/>
             <a:r>
-              <a:rPr lang="en-US" altLang="ko-KR" dirty="0" smtClean="0"/>
-              <a:t>Main</a:t>
-            </a:r>
-            <a:r>
-              <a:rPr lang="ko-KR" altLang="en-US" dirty="0" smtClean="0"/>
-              <a:t> </a:t>
-            </a:r>
-            <a:r>
-              <a:rPr lang="en-US" altLang="ko-KR" dirty="0" smtClean="0"/>
-              <a:t>Page</a:t>
-            </a:r>
-            <a:endParaRPr lang="ko-KR" altLang="en-US" dirty="0"/>
-          </a:p>
-        </p:txBody>
-      </p:sp>
-      <p:sp>
-        <p:nvSpPr>
-          <p:cNvPr id="30" name="직사각형 29"/>
-          <p:cNvSpPr/>
-          <p:nvPr/>
-        </p:nvSpPr>
-        <p:spPr>
-          <a:xfrm>
-            <a:off x="10070153" y="5062375"/>
-            <a:ext cx="1297744" cy="181317"/>
-          </a:xfrm>
-          <a:prstGeom prst="rect">
-            <a:avLst/>
-          </a:prstGeom>
-        </p:spPr>
-        <p:style>
-          <a:lnRef idx="2">
-            <a:schemeClr val="accent1">
-              <a:shade val="50000"/>
-            </a:schemeClr>
-          </a:lnRef>
-          <a:fillRef idx="1">
-            <a:schemeClr val="accent1"/>
-          </a:fillRef>
-          <a:effectRef idx="0">
-            <a:schemeClr val="accent1"/>
-          </a:effectRef>
-          <a:fontRef idx="minor">
-            <a:schemeClr val="lt1"/>
-          </a:fontRef>
-        </p:style>
-        <p:txBody>
-          <a:bodyPr rtlCol="0" anchor="ctr"/>
-          <a:lstStyle/>
+              <a:rPr lang="ko-KR" altLang="en-US" sz="1000" dirty="0" smtClean="0">
+                <a:solidFill>
+                  <a:schemeClr val="tx1"/>
+                </a:solidFill>
+              </a:rPr>
+              <a:t>사업분야</a:t>
+            </a:r>
+            <a:endParaRPr lang="en-US" altLang="ko-KR" sz="1000" dirty="0" smtClean="0">
+              <a:solidFill>
+                <a:schemeClr val="tx1"/>
+              </a:solidFill>
+            </a:endParaRPr>
+          </a:p>
           <a:p>
             <a:pPr algn="ctr"/>
             <a:r>
-              <a:rPr lang="en-US" altLang="ko-KR" dirty="0" smtClean="0"/>
-              <a:t>Main</a:t>
-            </a:r>
-            <a:r>
-              <a:rPr lang="ko-KR" altLang="en-US" dirty="0" smtClean="0"/>
-              <a:t> </a:t>
-            </a:r>
-            <a:r>
-              <a:rPr lang="en-US" altLang="ko-KR" dirty="0" smtClean="0"/>
-              <a:t>Page</a:t>
-            </a:r>
-            <a:endParaRPr lang="ko-KR" altLang="en-US" dirty="0"/>
-          </a:p>
-        </p:txBody>
-      </p:sp>
-      <p:sp>
-        <p:nvSpPr>
-          <p:cNvPr id="31" name="직사각형 30"/>
-          <p:cNvSpPr/>
-          <p:nvPr/>
-        </p:nvSpPr>
-        <p:spPr>
-          <a:xfrm>
-            <a:off x="1300225" y="5395895"/>
-            <a:ext cx="1297742" cy="955029"/>
-          </a:xfrm>
-          <a:prstGeom prst="rect">
-            <a:avLst/>
-          </a:prstGeom>
-        </p:spPr>
-        <p:style>
-          <a:lnRef idx="2">
-            <a:schemeClr val="accent1">
-              <a:shade val="50000"/>
-            </a:schemeClr>
-          </a:lnRef>
-          <a:fillRef idx="1">
-            <a:schemeClr val="accent1"/>
-          </a:fillRef>
-          <a:effectRef idx="0">
-            <a:schemeClr val="accent1"/>
-          </a:effectRef>
-          <a:fontRef idx="minor">
-            <a:schemeClr val="lt1"/>
-          </a:fontRef>
-        </p:style>
-        <p:txBody>
-          <a:bodyPr rtlCol="0" anchor="ctr"/>
-          <a:lstStyle/>
+              <a:rPr lang="ko-KR" altLang="en-US" sz="1000" dirty="0" smtClean="0">
+                <a:solidFill>
+                  <a:schemeClr val="tx1"/>
+                </a:solidFill>
+              </a:rPr>
+              <a:t>보유기술</a:t>
+            </a:r>
+            <a:endParaRPr lang="en-US" altLang="ko-KR" sz="1000" dirty="0" smtClean="0">
+              <a:solidFill>
+                <a:schemeClr val="tx1"/>
+              </a:solidFill>
+            </a:endParaRPr>
+          </a:p>
           <a:p>
             <a:pPr algn="ctr"/>
             <a:r>
-              <a:rPr lang="en-US" altLang="ko-KR" dirty="0" smtClean="0"/>
-              <a:t>Main</a:t>
-            </a:r>
-            <a:r>
-              <a:rPr lang="ko-KR" altLang="en-US" dirty="0" smtClean="0"/>
-              <a:t> </a:t>
-            </a:r>
-            <a:r>
-              <a:rPr lang="en-US" altLang="ko-KR" dirty="0" smtClean="0"/>
-              <a:t>Page</a:t>
-            </a:r>
-            <a:endParaRPr lang="ko-KR" altLang="en-US" dirty="0"/>
-          </a:p>
-        </p:txBody>
-      </p:sp>
-      <p:sp>
-        <p:nvSpPr>
-          <p:cNvPr id="33" name="직사각형 32"/>
-          <p:cNvSpPr/>
-          <p:nvPr/>
-        </p:nvSpPr>
-        <p:spPr>
-          <a:xfrm>
-            <a:off x="3054211" y="5395894"/>
-            <a:ext cx="1297742" cy="955029"/>
-          </a:xfrm>
-          <a:prstGeom prst="rect">
-            <a:avLst/>
-          </a:prstGeom>
-        </p:spPr>
-        <p:style>
-          <a:lnRef idx="2">
-            <a:schemeClr val="accent1">
-              <a:shade val="50000"/>
-            </a:schemeClr>
-          </a:lnRef>
-          <a:fillRef idx="1">
-            <a:schemeClr val="accent1"/>
-          </a:fillRef>
-          <a:effectRef idx="0">
-            <a:schemeClr val="accent1"/>
-          </a:effectRef>
-          <a:fontRef idx="minor">
-            <a:schemeClr val="lt1"/>
-          </a:fontRef>
-        </p:style>
-        <p:txBody>
-          <a:bodyPr rtlCol="0" anchor="ctr"/>
-          <a:lstStyle/>
-          <a:p>
-            <a:pPr algn="ctr"/>
-            <a:r>
-              <a:rPr lang="en-US" altLang="ko-KR" dirty="0" smtClean="0"/>
-              <a:t>Main</a:t>
-            </a:r>
-            <a:r>
-              <a:rPr lang="ko-KR" altLang="en-US" dirty="0" smtClean="0"/>
-              <a:t> </a:t>
-            </a:r>
-            <a:r>
-              <a:rPr lang="en-US" altLang="ko-KR" dirty="0" smtClean="0"/>
-              <a:t>Page</a:t>
-            </a:r>
-            <a:endParaRPr lang="ko-KR" altLang="en-US" dirty="0"/>
-          </a:p>
-        </p:txBody>
-      </p:sp>
-      <p:sp>
-        <p:nvSpPr>
-          <p:cNvPr id="34" name="직사각형 33"/>
-          <p:cNvSpPr/>
-          <p:nvPr/>
-        </p:nvSpPr>
-        <p:spPr>
-          <a:xfrm>
-            <a:off x="4808197" y="5395893"/>
-            <a:ext cx="1297742" cy="955029"/>
-          </a:xfrm>
-          <a:prstGeom prst="rect">
-            <a:avLst/>
-          </a:prstGeom>
-        </p:spPr>
-        <p:style>
-          <a:lnRef idx="2">
-            <a:schemeClr val="accent1">
-              <a:shade val="50000"/>
-            </a:schemeClr>
-          </a:lnRef>
-          <a:fillRef idx="1">
-            <a:schemeClr val="accent1"/>
-          </a:fillRef>
-          <a:effectRef idx="0">
-            <a:schemeClr val="accent1"/>
-          </a:effectRef>
-          <a:fontRef idx="minor">
-            <a:schemeClr val="lt1"/>
-          </a:fontRef>
-        </p:style>
-        <p:txBody>
-          <a:bodyPr rtlCol="0" anchor="ctr"/>
-          <a:lstStyle/>
-          <a:p>
-            <a:pPr algn="ctr"/>
-            <a:r>
-              <a:rPr lang="en-US" altLang="ko-KR" dirty="0" smtClean="0"/>
-              <a:t>Main</a:t>
-            </a:r>
-            <a:r>
-              <a:rPr lang="ko-KR" altLang="en-US" dirty="0" smtClean="0"/>
-              <a:t> </a:t>
-            </a:r>
-            <a:r>
-              <a:rPr lang="en-US" altLang="ko-KR" dirty="0" smtClean="0"/>
-              <a:t>Page</a:t>
-            </a:r>
-            <a:endParaRPr lang="ko-KR" altLang="en-US" dirty="0"/>
-          </a:p>
-        </p:txBody>
-      </p:sp>
-      <p:sp>
-        <p:nvSpPr>
-          <p:cNvPr id="35" name="직사각형 34"/>
-          <p:cNvSpPr/>
-          <p:nvPr/>
-        </p:nvSpPr>
-        <p:spPr>
-          <a:xfrm>
-            <a:off x="6562183" y="5395893"/>
-            <a:ext cx="1297742" cy="955029"/>
-          </a:xfrm>
-          <a:prstGeom prst="rect">
-            <a:avLst/>
-          </a:prstGeom>
-        </p:spPr>
-        <p:style>
-          <a:lnRef idx="2">
-            <a:schemeClr val="accent1">
-              <a:shade val="50000"/>
-            </a:schemeClr>
-          </a:lnRef>
-          <a:fillRef idx="1">
-            <a:schemeClr val="accent1"/>
-          </a:fillRef>
-          <a:effectRef idx="0">
-            <a:schemeClr val="accent1"/>
-          </a:effectRef>
-          <a:fontRef idx="minor">
-            <a:schemeClr val="lt1"/>
-          </a:fontRef>
-        </p:style>
-        <p:txBody>
-          <a:bodyPr rtlCol="0" anchor="ctr"/>
-          <a:lstStyle/>
-          <a:p>
-            <a:pPr algn="ctr"/>
-            <a:r>
-              <a:rPr lang="en-US" altLang="ko-KR" dirty="0" smtClean="0"/>
-              <a:t>Main</a:t>
-            </a:r>
-            <a:r>
-              <a:rPr lang="ko-KR" altLang="en-US" dirty="0" smtClean="0"/>
-              <a:t> </a:t>
-            </a:r>
-            <a:r>
-              <a:rPr lang="en-US" altLang="ko-KR" dirty="0" smtClean="0"/>
-              <a:t>Page</a:t>
-            </a:r>
-            <a:endParaRPr lang="ko-KR" altLang="en-US" dirty="0"/>
-          </a:p>
-        </p:txBody>
-      </p:sp>
-      <p:sp>
-        <p:nvSpPr>
-          <p:cNvPr id="36" name="직사각형 35"/>
-          <p:cNvSpPr/>
-          <p:nvPr/>
-        </p:nvSpPr>
-        <p:spPr>
-          <a:xfrm>
-            <a:off x="8316169" y="5395892"/>
-            <a:ext cx="1297742" cy="955029"/>
-          </a:xfrm>
-          <a:prstGeom prst="rect">
-            <a:avLst/>
-          </a:prstGeom>
-        </p:spPr>
-        <p:style>
-          <a:lnRef idx="2">
-            <a:schemeClr val="accent1">
-              <a:shade val="50000"/>
-            </a:schemeClr>
-          </a:lnRef>
-          <a:fillRef idx="1">
-            <a:schemeClr val="accent1"/>
-          </a:fillRef>
-          <a:effectRef idx="0">
-            <a:schemeClr val="accent1"/>
-          </a:effectRef>
-          <a:fontRef idx="minor">
-            <a:schemeClr val="lt1"/>
-          </a:fontRef>
-        </p:style>
-        <p:txBody>
-          <a:bodyPr rtlCol="0" anchor="ctr"/>
-          <a:lstStyle/>
-          <a:p>
-            <a:pPr algn="ctr"/>
-            <a:r>
-              <a:rPr lang="en-US" altLang="ko-KR" dirty="0" smtClean="0"/>
-              <a:t>Main</a:t>
-            </a:r>
-            <a:r>
-              <a:rPr lang="ko-KR" altLang="en-US" dirty="0" smtClean="0"/>
-              <a:t> </a:t>
-            </a:r>
-            <a:r>
-              <a:rPr lang="en-US" altLang="ko-KR" dirty="0" smtClean="0"/>
-              <a:t>Page</a:t>
-            </a:r>
-            <a:endParaRPr lang="ko-KR" altLang="en-US" dirty="0"/>
-          </a:p>
-        </p:txBody>
-      </p:sp>
-      <p:sp>
-        <p:nvSpPr>
-          <p:cNvPr id="37" name="직사각형 36"/>
-          <p:cNvSpPr/>
-          <p:nvPr/>
-        </p:nvSpPr>
-        <p:spPr>
-          <a:xfrm>
-            <a:off x="10070155" y="5395891"/>
-            <a:ext cx="1297742" cy="955029"/>
-          </a:xfrm>
-          <a:prstGeom prst="rect">
-            <a:avLst/>
-          </a:prstGeom>
-        </p:spPr>
-        <p:style>
-          <a:lnRef idx="2">
-            <a:schemeClr val="accent1">
-              <a:shade val="50000"/>
-            </a:schemeClr>
-          </a:lnRef>
-          <a:fillRef idx="1">
-            <a:schemeClr val="accent1"/>
-          </a:fillRef>
-          <a:effectRef idx="0">
-            <a:schemeClr val="accent1"/>
-          </a:effectRef>
-          <a:fontRef idx="minor">
-            <a:schemeClr val="lt1"/>
-          </a:fontRef>
-        </p:style>
-        <p:txBody>
-          <a:bodyPr rtlCol="0" anchor="ctr"/>
-          <a:lstStyle/>
-          <a:p>
-            <a:pPr algn="ctr"/>
-            <a:r>
-              <a:rPr lang="en-US" altLang="ko-KR" dirty="0" smtClean="0"/>
-              <a:t>Main</a:t>
-            </a:r>
-            <a:r>
-              <a:rPr lang="ko-KR" altLang="en-US" dirty="0" smtClean="0"/>
-              <a:t> </a:t>
-            </a:r>
-            <a:r>
-              <a:rPr lang="en-US" altLang="ko-KR" dirty="0" smtClean="0"/>
-              <a:t>Page</a:t>
-            </a:r>
-            <a:endParaRPr lang="ko-KR" altLang="en-US" dirty="0"/>
-          </a:p>
-        </p:txBody>
-      </p:sp>
-      <p:sp>
-        <p:nvSpPr>
-          <p:cNvPr id="38" name="직사각형 37"/>
-          <p:cNvSpPr/>
-          <p:nvPr/>
-        </p:nvSpPr>
-        <p:spPr>
-          <a:xfrm>
-            <a:off x="10070155" y="5395890"/>
-            <a:ext cx="1297742" cy="955029"/>
-          </a:xfrm>
-          <a:prstGeom prst="rect">
-            <a:avLst/>
-          </a:prstGeom>
-        </p:spPr>
-        <p:style>
-          <a:lnRef idx="2">
-            <a:schemeClr val="accent1">
-              <a:shade val="50000"/>
-            </a:schemeClr>
-          </a:lnRef>
-          <a:fillRef idx="1">
-            <a:schemeClr val="accent1"/>
-          </a:fillRef>
-          <a:effectRef idx="0">
-            <a:schemeClr val="accent1"/>
-          </a:effectRef>
-          <a:fontRef idx="minor">
-            <a:schemeClr val="lt1"/>
-          </a:fontRef>
-        </p:style>
-        <p:txBody>
-          <a:bodyPr rtlCol="0" anchor="ctr"/>
-          <a:lstStyle/>
-          <a:p>
-            <a:pPr algn="ctr"/>
-            <a:r>
-              <a:rPr lang="en-US" altLang="ko-KR" dirty="0" smtClean="0"/>
-              <a:t>Main</a:t>
-            </a:r>
-            <a:r>
-              <a:rPr lang="ko-KR" altLang="en-US" dirty="0" smtClean="0"/>
-              <a:t> </a:t>
-            </a:r>
-            <a:r>
-              <a:rPr lang="en-US" altLang="ko-KR" dirty="0" smtClean="0"/>
-              <a:t>Page</a:t>
-            </a:r>
-            <a:endParaRPr lang="ko-KR" altLang="en-US" dirty="0"/>
-          </a:p>
-        </p:txBody>
-      </p:sp>
-      <p:sp>
-        <p:nvSpPr>
-          <p:cNvPr id="39" name="직사각형 38"/>
-          <p:cNvSpPr/>
-          <p:nvPr/>
-        </p:nvSpPr>
-        <p:spPr>
-          <a:xfrm>
-            <a:off x="7018423" y="1616001"/>
-            <a:ext cx="1297744" cy="181317"/>
-          </a:xfrm>
-          <a:prstGeom prst="rect">
-            <a:avLst/>
-          </a:prstGeom>
-        </p:spPr>
-        <p:style>
-          <a:lnRef idx="2">
-            <a:schemeClr val="accent1">
-              <a:shade val="50000"/>
-            </a:schemeClr>
-          </a:lnRef>
-          <a:fillRef idx="1">
-            <a:schemeClr val="accent1"/>
-          </a:fillRef>
-          <a:effectRef idx="0">
-            <a:schemeClr val="accent1"/>
-          </a:effectRef>
-          <a:fontRef idx="minor">
-            <a:schemeClr val="lt1"/>
-          </a:fontRef>
-        </p:style>
-        <p:txBody>
-          <a:bodyPr rtlCol="0" anchor="ctr"/>
-          <a:lstStyle/>
-          <a:p>
-            <a:pPr algn="ctr"/>
-            <a:r>
-              <a:rPr lang="en-US" altLang="ko-KR" dirty="0" smtClean="0"/>
-              <a:t>Main</a:t>
-            </a:r>
-            <a:r>
-              <a:rPr lang="ko-KR" altLang="en-US" dirty="0" smtClean="0"/>
-              <a:t> </a:t>
-            </a:r>
-            <a:r>
-              <a:rPr lang="en-US" altLang="ko-KR" dirty="0" smtClean="0"/>
-              <a:t>Page</a:t>
-            </a:r>
-            <a:endParaRPr lang="ko-KR" altLang="en-US" dirty="0"/>
-          </a:p>
-        </p:txBody>
-      </p:sp>
-      <p:sp>
-        <p:nvSpPr>
-          <p:cNvPr id="40" name="직사각형 39"/>
-          <p:cNvSpPr/>
-          <p:nvPr/>
-        </p:nvSpPr>
-        <p:spPr>
-          <a:xfrm>
-            <a:off x="7018425" y="508771"/>
-            <a:ext cx="1297742" cy="955029"/>
-          </a:xfrm>
-          <a:prstGeom prst="rect">
-            <a:avLst/>
-          </a:prstGeom>
-        </p:spPr>
-        <p:style>
-          <a:lnRef idx="2">
-            <a:schemeClr val="accent1">
-              <a:shade val="50000"/>
-            </a:schemeClr>
-          </a:lnRef>
-          <a:fillRef idx="1">
-            <a:schemeClr val="accent1"/>
-          </a:fillRef>
-          <a:effectRef idx="0">
-            <a:schemeClr val="accent1"/>
-          </a:effectRef>
-          <a:fontRef idx="minor">
-            <a:schemeClr val="lt1"/>
-          </a:fontRef>
-        </p:style>
-        <p:txBody>
-          <a:bodyPr rtlCol="0" anchor="ctr"/>
-          <a:lstStyle/>
-          <a:p>
-            <a:pPr algn="ctr"/>
-            <a:r>
-              <a:rPr lang="en-US" altLang="ko-KR" dirty="0" smtClean="0"/>
-              <a:t>Main</a:t>
-            </a:r>
-            <a:r>
-              <a:rPr lang="ko-KR" altLang="en-US" dirty="0" smtClean="0"/>
-              <a:t> </a:t>
-            </a:r>
-            <a:r>
-              <a:rPr lang="en-US" altLang="ko-KR" dirty="0" smtClean="0"/>
-              <a:t>Page</a:t>
-            </a:r>
-            <a:endParaRPr lang="ko-KR" altLang="en-US" dirty="0"/>
-          </a:p>
-        </p:txBody>
-      </p:sp>
-      <p:sp>
-        <p:nvSpPr>
-          <p:cNvPr id="41" name="직사각형 40"/>
-          <p:cNvSpPr/>
-          <p:nvPr/>
-        </p:nvSpPr>
-        <p:spPr>
-          <a:xfrm>
-            <a:off x="8772409" y="1616000"/>
-            <a:ext cx="1297744" cy="181317"/>
-          </a:xfrm>
-          <a:prstGeom prst="rect">
-            <a:avLst/>
-          </a:prstGeom>
-        </p:spPr>
-        <p:style>
-          <a:lnRef idx="2">
-            <a:schemeClr val="accent1">
-              <a:shade val="50000"/>
-            </a:schemeClr>
-          </a:lnRef>
-          <a:fillRef idx="1">
-            <a:schemeClr val="accent1"/>
-          </a:fillRef>
-          <a:effectRef idx="0">
-            <a:schemeClr val="accent1"/>
-          </a:effectRef>
-          <a:fontRef idx="minor">
-            <a:schemeClr val="lt1"/>
-          </a:fontRef>
-        </p:style>
-        <p:txBody>
-          <a:bodyPr rtlCol="0" anchor="ctr"/>
-          <a:lstStyle/>
-          <a:p>
-            <a:pPr algn="ctr"/>
-            <a:r>
-              <a:rPr lang="en-US" altLang="ko-KR" dirty="0" smtClean="0"/>
-              <a:t>Main</a:t>
-            </a:r>
-            <a:r>
-              <a:rPr lang="ko-KR" altLang="en-US" dirty="0" smtClean="0"/>
-              <a:t> </a:t>
-            </a:r>
-            <a:r>
-              <a:rPr lang="en-US" altLang="ko-KR" dirty="0" smtClean="0"/>
-              <a:t>Page</a:t>
-            </a:r>
-            <a:endParaRPr lang="ko-KR" altLang="en-US" dirty="0"/>
-          </a:p>
-        </p:txBody>
-      </p:sp>
-      <p:sp>
-        <p:nvSpPr>
-          <p:cNvPr id="42" name="직사각형 41"/>
-          <p:cNvSpPr/>
-          <p:nvPr/>
-        </p:nvSpPr>
-        <p:spPr>
-          <a:xfrm>
-            <a:off x="8772411" y="508771"/>
-            <a:ext cx="1297742" cy="955029"/>
-          </a:xfrm>
-          <a:prstGeom prst="rect">
-            <a:avLst/>
-          </a:prstGeom>
-        </p:spPr>
-        <p:style>
-          <a:lnRef idx="2">
-            <a:schemeClr val="accent1">
-              <a:shade val="50000"/>
-            </a:schemeClr>
-          </a:lnRef>
-          <a:fillRef idx="1">
-            <a:schemeClr val="accent1"/>
-          </a:fillRef>
-          <a:effectRef idx="0">
-            <a:schemeClr val="accent1"/>
-          </a:effectRef>
-          <a:fontRef idx="minor">
-            <a:schemeClr val="lt1"/>
-          </a:fontRef>
-        </p:style>
-        <p:txBody>
-          <a:bodyPr rtlCol="0" anchor="ctr"/>
-          <a:lstStyle/>
-          <a:p>
-            <a:pPr algn="ctr"/>
-            <a:r>
-              <a:rPr lang="en-US" altLang="ko-KR" dirty="0" smtClean="0"/>
-              <a:t>Main</a:t>
-            </a:r>
-            <a:r>
-              <a:rPr lang="ko-KR" altLang="en-US" dirty="0" smtClean="0"/>
-              <a:t> </a:t>
-            </a:r>
-            <a:r>
-              <a:rPr lang="en-US" altLang="ko-KR" dirty="0" smtClean="0"/>
-              <a:t>Page</a:t>
-            </a:r>
-            <a:endParaRPr lang="ko-KR" altLang="en-US" dirty="0"/>
-          </a:p>
-        </p:txBody>
-      </p:sp>
-      <p:sp>
-        <p:nvSpPr>
-          <p:cNvPr id="43" name="직사각형 42"/>
-          <p:cNvSpPr/>
-          <p:nvPr/>
-        </p:nvSpPr>
-        <p:spPr>
-          <a:xfrm>
-            <a:off x="10526395" y="1614761"/>
-            <a:ext cx="1297744" cy="181317"/>
-          </a:xfrm>
-          <a:prstGeom prst="rect">
-            <a:avLst/>
-          </a:prstGeom>
-        </p:spPr>
-        <p:style>
-          <a:lnRef idx="2">
-            <a:schemeClr val="accent1">
-              <a:shade val="50000"/>
-            </a:schemeClr>
-          </a:lnRef>
-          <a:fillRef idx="1">
-            <a:schemeClr val="accent1"/>
-          </a:fillRef>
-          <a:effectRef idx="0">
-            <a:schemeClr val="accent1"/>
-          </a:effectRef>
-          <a:fontRef idx="minor">
-            <a:schemeClr val="lt1"/>
-          </a:fontRef>
-        </p:style>
-        <p:txBody>
-          <a:bodyPr rtlCol="0" anchor="ctr"/>
-          <a:lstStyle/>
-          <a:p>
-            <a:pPr algn="ctr"/>
-            <a:r>
-              <a:rPr lang="en-US" altLang="ko-KR" dirty="0" smtClean="0"/>
-              <a:t>Main</a:t>
-            </a:r>
-            <a:r>
-              <a:rPr lang="ko-KR" altLang="en-US" dirty="0" smtClean="0"/>
-              <a:t> </a:t>
-            </a:r>
-            <a:r>
-              <a:rPr lang="en-US" altLang="ko-KR" dirty="0" smtClean="0"/>
-              <a:t>Page</a:t>
-            </a:r>
-            <a:endParaRPr lang="ko-KR" altLang="en-US" dirty="0"/>
-          </a:p>
-        </p:txBody>
-      </p:sp>
-      <p:sp>
-        <p:nvSpPr>
-          <p:cNvPr id="44" name="직사각형 43"/>
-          <p:cNvSpPr/>
-          <p:nvPr/>
-        </p:nvSpPr>
-        <p:spPr>
-          <a:xfrm>
-            <a:off x="10526397" y="508771"/>
-            <a:ext cx="1297742" cy="955029"/>
-          </a:xfrm>
-          <a:prstGeom prst="rect">
-            <a:avLst/>
-          </a:prstGeom>
-        </p:spPr>
-        <p:style>
-          <a:lnRef idx="2">
-            <a:schemeClr val="accent1">
-              <a:shade val="50000"/>
-            </a:schemeClr>
-          </a:lnRef>
-          <a:fillRef idx="1">
-            <a:schemeClr val="accent1"/>
-          </a:fillRef>
-          <a:effectRef idx="0">
-            <a:schemeClr val="accent1"/>
-          </a:effectRef>
-          <a:fontRef idx="minor">
-            <a:schemeClr val="lt1"/>
-          </a:fontRef>
-        </p:style>
-        <p:txBody>
-          <a:bodyPr rtlCol="0" anchor="ctr"/>
-          <a:lstStyle/>
-          <a:p>
-            <a:pPr algn="ctr"/>
-            <a:r>
-              <a:rPr lang="en-US" altLang="ko-KR" dirty="0" smtClean="0"/>
-              <a:t>Main</a:t>
-            </a:r>
-            <a:r>
-              <a:rPr lang="ko-KR" altLang="en-US" dirty="0" smtClean="0"/>
-              <a:t> </a:t>
-            </a:r>
-            <a:r>
-              <a:rPr lang="en-US" altLang="ko-KR" dirty="0" smtClean="0"/>
-              <a:t>Page</a:t>
-            </a:r>
-            <a:endParaRPr lang="ko-KR" altLang="en-US" dirty="0"/>
+              <a:rPr lang="ko-KR" altLang="en-US" sz="1000" dirty="0" smtClean="0">
+                <a:solidFill>
+                  <a:schemeClr val="tx1"/>
+                </a:solidFill>
+              </a:rPr>
+              <a:t>제품소개</a:t>
+            </a:r>
+            <a:endParaRPr lang="ko-KR" altLang="en-US" sz="1000" dirty="0">
+              <a:solidFill>
+                <a:schemeClr val="tx1"/>
+              </a:solidFill>
+            </a:endParaRPr>
           </a:p>
         </p:txBody>
       </p:sp>
@@ -4727,12 +4466,17 @@
         </p:nvCxnSpPr>
         <p:spPr>
           <a:xfrm>
-            <a:off x="6274434" y="3071553"/>
+            <a:off x="6274434" y="2738617"/>
             <a:ext cx="0" cy="1935118"/>
           </a:xfrm>
           <a:prstGeom prst="line">
             <a:avLst/>
           </a:prstGeom>
+          <a:ln>
+            <a:solidFill>
+              <a:schemeClr val="tx1"/>
+            </a:solidFill>
+          </a:ln>
         </p:spPr>
         <p:style>
           <a:lnRef idx="1">
@@ -4757,12 +4501,17 @@
         </p:nvCxnSpPr>
         <p:spPr>
           <a:xfrm>
-            <a:off x="1351058" y="4862945"/>
-            <a:ext cx="9929313" cy="0"/>
+            <a:off x="1949095" y="4665422"/>
+            <a:ext cx="8765534" cy="0"/>
           </a:xfrm>
           <a:prstGeom prst="line">
             <a:avLst/>
           </a:prstGeom>
+          <a:ln>
+            <a:solidFill>
+              <a:schemeClr val="tx1"/>
+            </a:solidFill>
+          </a:ln>
         </p:spPr>
         <p:style>
           <a:lnRef idx="1">
@@ -4810,6 +4559,1938 @@
               <a:t>신소연</a:t>
             </a:r>
             <a:endParaRPr lang="ko-KR" altLang="en-US" sz="1000" dirty="0"/>
+          </a:p>
+        </p:txBody>
+      </p:sp>
+      <p:sp>
+        <p:nvSpPr>
+          <p:cNvPr id="45" name="직사각형 44"/>
+          <p:cNvSpPr/>
+          <p:nvPr/>
+        </p:nvSpPr>
+        <p:spPr>
+          <a:xfrm>
+            <a:off x="7357810" y="3022987"/>
+            <a:ext cx="1487978" cy="207896"/>
+          </a:xfrm>
+          <a:prstGeom prst="rect">
+            <a:avLst/>
+          </a:prstGeom>
+          <a:solidFill>
+            <a:srgbClr val="0CD295"/>
+          </a:solidFill>
+          <a:ln>
+            <a:solidFill>
+              <a:schemeClr val="tx1"/>
+            </a:solidFill>
+          </a:ln>
+        </p:spPr>
+        <p:style>
+          <a:lnRef idx="2">
+            <a:schemeClr val="accent1">
+              <a:shade val="50000"/>
+            </a:schemeClr>
+          </a:lnRef>
+          <a:fillRef idx="1">
+            <a:schemeClr val="accent1"/>
+          </a:fillRef>
+          <a:effectRef idx="0">
+            <a:schemeClr val="accent1"/>
+          </a:effectRef>
+          <a:fontRef idx="minor">
+            <a:schemeClr val="lt1"/>
+          </a:fontRef>
+        </p:style>
+        <p:txBody>
+          <a:bodyPr rtlCol="0" anchor="ctr"/>
+          <a:lstStyle/>
+          <a:p>
+            <a:pPr algn="ctr"/>
+            <a:r>
+              <a:rPr lang="ko-KR" altLang="en-US" sz="1000" dirty="0" smtClean="0">
+                <a:solidFill>
+                  <a:schemeClr val="tx1"/>
+                </a:solidFill>
+              </a:rPr>
+              <a:t>로그인</a:t>
+            </a:r>
+            <a:endParaRPr lang="ko-KR" altLang="en-US" sz="1000" dirty="0">
+              <a:solidFill>
+                <a:schemeClr val="tx1"/>
+              </a:solidFill>
+            </a:endParaRPr>
+          </a:p>
+        </p:txBody>
+      </p:sp>
+      <p:cxnSp>
+        <p:nvCxnSpPr>
+          <p:cNvPr id="60" name="직선 연결선 59"/>
+          <p:cNvCxnSpPr>
+            <a:stCxn id="45" idx="3"/>
+            <a:endCxn id="21" idx="1"/>
+          </p:cNvCxnSpPr>
+          <p:nvPr/>
+        </p:nvCxnSpPr>
+        <p:spPr>
+          <a:xfrm flipV="1">
+            <a:off x="8845788" y="3126659"/>
+            <a:ext cx="532015" cy="276"/>
+          </a:xfrm>
+          <a:prstGeom prst="line">
+            <a:avLst/>
+          </a:prstGeom>
+          <a:ln>
+            <a:solidFill>
+              <a:schemeClr val="tx1"/>
+            </a:solidFill>
+          </a:ln>
+        </p:spPr>
+        <p:style>
+          <a:lnRef idx="1">
+            <a:schemeClr val="accent1"/>
+          </a:lnRef>
+          <a:fillRef idx="0">
+            <a:schemeClr val="accent1"/>
+          </a:fillRef>
+          <a:effectRef idx="0">
+            <a:schemeClr val="accent1"/>
+          </a:effectRef>
+          <a:fontRef idx="minor">
+            <a:schemeClr val="tx1"/>
+          </a:fontRef>
+        </p:style>
+      </p:cxnSp>
+      <p:cxnSp>
+        <p:nvCxnSpPr>
+          <p:cNvPr id="64" name="직선 연결선 63"/>
+          <p:cNvCxnSpPr/>
+          <p:nvPr/>
+        </p:nvCxnSpPr>
+        <p:spPr>
+          <a:xfrm>
+            <a:off x="9111795" y="3452205"/>
+            <a:ext cx="285594" cy="0"/>
+          </a:xfrm>
+          <a:prstGeom prst="line">
+            <a:avLst/>
+          </a:prstGeom>
+          <a:ln>
+            <a:solidFill>
+              <a:schemeClr val="tx1"/>
+            </a:solidFill>
+          </a:ln>
+        </p:spPr>
+        <p:style>
+          <a:lnRef idx="1">
+            <a:schemeClr val="accent1"/>
+          </a:lnRef>
+          <a:fillRef idx="0">
+            <a:schemeClr val="accent1"/>
+          </a:fillRef>
+          <a:effectRef idx="0">
+            <a:schemeClr val="accent1"/>
+          </a:effectRef>
+          <a:fontRef idx="minor">
+            <a:schemeClr val="tx1"/>
+          </a:fontRef>
+        </p:style>
+      </p:cxnSp>
+      <p:cxnSp>
+        <p:nvCxnSpPr>
+          <p:cNvPr id="67" name="직선 연결선 66"/>
+          <p:cNvCxnSpPr>
+            <a:endCxn id="19" idx="0"/>
+          </p:cNvCxnSpPr>
+          <p:nvPr/>
+        </p:nvCxnSpPr>
+        <p:spPr>
+          <a:xfrm>
+            <a:off x="1949095" y="4665422"/>
+            <a:ext cx="0" cy="221184"/>
+          </a:xfrm>
+          <a:prstGeom prst="line">
+            <a:avLst/>
+          </a:prstGeom>
+          <a:ln>
+            <a:solidFill>
+              <a:schemeClr val="tx1"/>
+            </a:solidFill>
+          </a:ln>
+        </p:spPr>
+        <p:style>
+          <a:lnRef idx="1">
+            <a:schemeClr val="accent1"/>
+          </a:lnRef>
+          <a:fillRef idx="0">
+            <a:schemeClr val="accent1"/>
+          </a:fillRef>
+          <a:effectRef idx="0">
+            <a:schemeClr val="accent1"/>
+          </a:effectRef>
+          <a:fontRef idx="minor">
+            <a:schemeClr val="tx1"/>
+          </a:fontRef>
+        </p:style>
+      </p:cxnSp>
+      <p:cxnSp>
+        <p:nvCxnSpPr>
+          <p:cNvPr id="68" name="직선 연결선 67"/>
+          <p:cNvCxnSpPr/>
+          <p:nvPr/>
+        </p:nvCxnSpPr>
+        <p:spPr>
+          <a:xfrm>
+            <a:off x="3706998" y="4665422"/>
+            <a:ext cx="0" cy="396953"/>
+          </a:xfrm>
+          <a:prstGeom prst="line">
+            <a:avLst/>
+          </a:prstGeom>
+          <a:ln>
+            <a:solidFill>
+              <a:schemeClr val="tx1"/>
+            </a:solidFill>
+          </a:ln>
+        </p:spPr>
+        <p:style>
+          <a:lnRef idx="1">
+            <a:schemeClr val="accent1"/>
+          </a:lnRef>
+          <a:fillRef idx="0">
+            <a:schemeClr val="accent1"/>
+          </a:fillRef>
+          <a:effectRef idx="0">
+            <a:schemeClr val="accent1"/>
+          </a:effectRef>
+          <a:fontRef idx="minor">
+            <a:schemeClr val="tx1"/>
+          </a:fontRef>
+        </p:style>
+      </p:cxnSp>
+      <p:cxnSp>
+        <p:nvCxnSpPr>
+          <p:cNvPr id="69" name="직선 연결선 68"/>
+          <p:cNvCxnSpPr/>
+          <p:nvPr/>
+        </p:nvCxnSpPr>
+        <p:spPr>
+          <a:xfrm>
+            <a:off x="5457067" y="4665422"/>
+            <a:ext cx="0" cy="396953"/>
+          </a:xfrm>
+          <a:prstGeom prst="line">
+            <a:avLst/>
+          </a:prstGeom>
+          <a:ln>
+            <a:solidFill>
+              <a:schemeClr val="tx1"/>
+            </a:solidFill>
+          </a:ln>
+        </p:spPr>
+        <p:style>
+          <a:lnRef idx="1">
+            <a:schemeClr val="accent1"/>
+          </a:lnRef>
+          <a:fillRef idx="0">
+            <a:schemeClr val="accent1"/>
+          </a:fillRef>
+          <a:effectRef idx="0">
+            <a:schemeClr val="accent1"/>
+          </a:effectRef>
+          <a:fontRef idx="minor">
+            <a:schemeClr val="tx1"/>
+          </a:fontRef>
+        </p:style>
+      </p:cxnSp>
+      <p:cxnSp>
+        <p:nvCxnSpPr>
+          <p:cNvPr id="70" name="직선 연결선 69"/>
+          <p:cNvCxnSpPr/>
+          <p:nvPr/>
+        </p:nvCxnSpPr>
+        <p:spPr>
+          <a:xfrm>
+            <a:off x="7211053" y="4665422"/>
+            <a:ext cx="0" cy="396953"/>
+          </a:xfrm>
+          <a:prstGeom prst="line">
+            <a:avLst/>
+          </a:prstGeom>
+          <a:ln>
+            <a:solidFill>
+              <a:schemeClr val="tx1"/>
+            </a:solidFill>
+          </a:ln>
+        </p:spPr>
+        <p:style>
+          <a:lnRef idx="1">
+            <a:schemeClr val="accent1"/>
+          </a:lnRef>
+          <a:fillRef idx="0">
+            <a:schemeClr val="accent1"/>
+          </a:fillRef>
+          <a:effectRef idx="0">
+            <a:schemeClr val="accent1"/>
+          </a:effectRef>
+          <a:fontRef idx="minor">
+            <a:schemeClr val="tx1"/>
+          </a:fontRef>
+        </p:style>
+      </p:cxnSp>
+      <p:cxnSp>
+        <p:nvCxnSpPr>
+          <p:cNvPr id="71" name="직선 연결선 70"/>
+          <p:cNvCxnSpPr/>
+          <p:nvPr/>
+        </p:nvCxnSpPr>
+        <p:spPr>
+          <a:xfrm>
+            <a:off x="8965039" y="4665422"/>
+            <a:ext cx="0" cy="396953"/>
+          </a:xfrm>
+          <a:prstGeom prst="line">
+            <a:avLst/>
+          </a:prstGeom>
+          <a:ln>
+            <a:solidFill>
+              <a:schemeClr val="tx1"/>
+            </a:solidFill>
+          </a:ln>
+        </p:spPr>
+        <p:style>
+          <a:lnRef idx="1">
+            <a:schemeClr val="accent1"/>
+          </a:lnRef>
+          <a:fillRef idx="0">
+            <a:schemeClr val="accent1"/>
+          </a:fillRef>
+          <a:effectRef idx="0">
+            <a:schemeClr val="accent1"/>
+          </a:effectRef>
+          <a:fontRef idx="minor">
+            <a:schemeClr val="tx1"/>
+          </a:fontRef>
+        </p:style>
+      </p:cxnSp>
+      <p:cxnSp>
+        <p:nvCxnSpPr>
+          <p:cNvPr id="72" name="직선 연결선 71"/>
+          <p:cNvCxnSpPr/>
+          <p:nvPr/>
+        </p:nvCxnSpPr>
+        <p:spPr>
+          <a:xfrm>
+            <a:off x="9111795" y="3126659"/>
+            <a:ext cx="0" cy="325546"/>
+          </a:xfrm>
+          <a:prstGeom prst="line">
+            <a:avLst/>
+          </a:prstGeom>
+          <a:ln>
+            <a:solidFill>
+              <a:schemeClr val="tx1"/>
+            </a:solidFill>
+          </a:ln>
+        </p:spPr>
+        <p:style>
+          <a:lnRef idx="1">
+            <a:schemeClr val="accent1"/>
+          </a:lnRef>
+          <a:fillRef idx="0">
+            <a:schemeClr val="accent1"/>
+          </a:fillRef>
+          <a:effectRef idx="0">
+            <a:schemeClr val="accent1"/>
+          </a:effectRef>
+          <a:fontRef idx="minor">
+            <a:schemeClr val="tx1"/>
+          </a:fontRef>
+        </p:style>
+      </p:cxnSp>
+      <p:cxnSp>
+        <p:nvCxnSpPr>
+          <p:cNvPr id="75" name="직선 연결선 74"/>
+          <p:cNvCxnSpPr>
+            <a:endCxn id="21" idx="0"/>
+          </p:cNvCxnSpPr>
+          <p:nvPr/>
+        </p:nvCxnSpPr>
+        <p:spPr>
+          <a:xfrm>
+            <a:off x="10121792" y="1886780"/>
+            <a:ext cx="0" cy="1135931"/>
+          </a:xfrm>
+          <a:prstGeom prst="line">
+            <a:avLst/>
+          </a:prstGeom>
+          <a:ln>
+            <a:solidFill>
+              <a:schemeClr val="tx1"/>
+            </a:solidFill>
+          </a:ln>
+        </p:spPr>
+        <p:style>
+          <a:lnRef idx="1">
+            <a:schemeClr val="accent1"/>
+          </a:lnRef>
+          <a:fillRef idx="0">
+            <a:schemeClr val="accent1"/>
+          </a:fillRef>
+          <a:effectRef idx="0">
+            <a:schemeClr val="accent1"/>
+          </a:effectRef>
+          <a:fontRef idx="minor">
+            <a:schemeClr val="tx1"/>
+          </a:fontRef>
+        </p:style>
+      </p:cxnSp>
+      <p:cxnSp>
+        <p:nvCxnSpPr>
+          <p:cNvPr id="77" name="직선 연결선 76"/>
+          <p:cNvCxnSpPr/>
+          <p:nvPr/>
+        </p:nvCxnSpPr>
+        <p:spPr>
+          <a:xfrm>
+            <a:off x="7667295" y="1886780"/>
+            <a:ext cx="3507972" cy="0"/>
+          </a:xfrm>
+          <a:prstGeom prst="line">
+            <a:avLst/>
+          </a:prstGeom>
+          <a:ln>
+            <a:solidFill>
+              <a:schemeClr val="tx1"/>
+            </a:solidFill>
+          </a:ln>
+        </p:spPr>
+        <p:style>
+          <a:lnRef idx="1">
+            <a:schemeClr val="accent1"/>
+          </a:lnRef>
+          <a:fillRef idx="0">
+            <a:schemeClr val="accent1"/>
+          </a:fillRef>
+          <a:effectRef idx="0">
+            <a:schemeClr val="accent1"/>
+          </a:effectRef>
+          <a:fontRef idx="minor">
+            <a:schemeClr val="tx1"/>
+          </a:fontRef>
+        </p:style>
+      </p:cxnSp>
+      <p:cxnSp>
+        <p:nvCxnSpPr>
+          <p:cNvPr id="80" name="직선 연결선 79"/>
+          <p:cNvCxnSpPr/>
+          <p:nvPr/>
+        </p:nvCxnSpPr>
+        <p:spPr>
+          <a:xfrm>
+            <a:off x="7667295" y="1672208"/>
+            <a:ext cx="0" cy="214572"/>
+          </a:xfrm>
+          <a:prstGeom prst="line">
+            <a:avLst/>
+          </a:prstGeom>
+          <a:ln>
+            <a:solidFill>
+              <a:schemeClr val="tx1"/>
+            </a:solidFill>
+          </a:ln>
+        </p:spPr>
+        <p:style>
+          <a:lnRef idx="1">
+            <a:schemeClr val="accent1"/>
+          </a:lnRef>
+          <a:fillRef idx="0">
+            <a:schemeClr val="accent1"/>
+          </a:fillRef>
+          <a:effectRef idx="0">
+            <a:schemeClr val="accent1"/>
+          </a:effectRef>
+          <a:fontRef idx="minor">
+            <a:schemeClr val="tx1"/>
+          </a:fontRef>
+        </p:style>
+      </p:cxnSp>
+      <p:cxnSp>
+        <p:nvCxnSpPr>
+          <p:cNvPr id="82" name="직선 연결선 81"/>
+          <p:cNvCxnSpPr/>
+          <p:nvPr/>
+        </p:nvCxnSpPr>
+        <p:spPr>
+          <a:xfrm>
+            <a:off x="9421281" y="1681091"/>
+            <a:ext cx="0" cy="214572"/>
+          </a:xfrm>
+          <a:prstGeom prst="line">
+            <a:avLst/>
+          </a:prstGeom>
+          <a:ln>
+            <a:solidFill>
+              <a:schemeClr val="tx1"/>
+            </a:solidFill>
+          </a:ln>
+        </p:spPr>
+        <p:style>
+          <a:lnRef idx="1">
+            <a:schemeClr val="accent1"/>
+          </a:lnRef>
+          <a:fillRef idx="0">
+            <a:schemeClr val="accent1"/>
+          </a:fillRef>
+          <a:effectRef idx="0">
+            <a:schemeClr val="accent1"/>
+          </a:effectRef>
+          <a:fontRef idx="minor">
+            <a:schemeClr val="tx1"/>
+          </a:fontRef>
+        </p:style>
+      </p:cxnSp>
+      <p:cxnSp>
+        <p:nvCxnSpPr>
+          <p:cNvPr id="83" name="직선 연결선 82"/>
+          <p:cNvCxnSpPr/>
+          <p:nvPr/>
+        </p:nvCxnSpPr>
+        <p:spPr>
+          <a:xfrm>
+            <a:off x="11175267" y="1681091"/>
+            <a:ext cx="0" cy="214572"/>
+          </a:xfrm>
+          <a:prstGeom prst="line">
+            <a:avLst/>
+          </a:prstGeom>
+          <a:ln>
+            <a:solidFill>
+              <a:schemeClr val="tx1"/>
+            </a:solidFill>
+          </a:ln>
+        </p:spPr>
+        <p:style>
+          <a:lnRef idx="1">
+            <a:schemeClr val="accent1"/>
+          </a:lnRef>
+          <a:fillRef idx="0">
+            <a:schemeClr val="accent1"/>
+          </a:fillRef>
+          <a:effectRef idx="0">
+            <a:schemeClr val="accent1"/>
+          </a:effectRef>
+          <a:fontRef idx="minor">
+            <a:schemeClr val="tx1"/>
+          </a:fontRef>
+        </p:style>
+      </p:cxnSp>
+      <p:cxnSp>
+        <p:nvCxnSpPr>
+          <p:cNvPr id="84" name="직선 연결선 83"/>
+          <p:cNvCxnSpPr/>
+          <p:nvPr/>
+        </p:nvCxnSpPr>
+        <p:spPr>
+          <a:xfrm>
+            <a:off x="4089863" y="3678708"/>
+            <a:ext cx="2184571" cy="0"/>
+          </a:xfrm>
+          <a:prstGeom prst="line">
+            <a:avLst/>
+          </a:prstGeom>
+          <a:ln>
+            <a:solidFill>
+              <a:schemeClr val="tx1"/>
+            </a:solidFill>
+          </a:ln>
+        </p:spPr>
+        <p:style>
+          <a:lnRef idx="1">
+            <a:schemeClr val="accent1"/>
+          </a:lnRef>
+          <a:fillRef idx="0">
+            <a:schemeClr val="accent1"/>
+          </a:fillRef>
+          <a:effectRef idx="0">
+            <a:schemeClr val="accent1"/>
+          </a:effectRef>
+          <a:fontRef idx="minor">
+            <a:schemeClr val="tx1"/>
+          </a:fontRef>
+        </p:style>
+      </p:cxnSp>
+      <p:cxnSp>
+        <p:nvCxnSpPr>
+          <p:cNvPr id="87" name="직선 연결선 86"/>
+          <p:cNvCxnSpPr/>
+          <p:nvPr/>
+        </p:nvCxnSpPr>
+        <p:spPr>
+          <a:xfrm>
+            <a:off x="10718548" y="4665422"/>
+            <a:ext cx="0" cy="396953"/>
+          </a:xfrm>
+          <a:prstGeom prst="line">
+            <a:avLst/>
+          </a:prstGeom>
+          <a:ln>
+            <a:solidFill>
+              <a:schemeClr val="tx1"/>
+            </a:solidFill>
+          </a:ln>
+        </p:spPr>
+        <p:style>
+          <a:lnRef idx="1">
+            <a:schemeClr val="accent1"/>
+          </a:lnRef>
+          <a:fillRef idx="0">
+            <a:schemeClr val="accent1"/>
+          </a:fillRef>
+          <a:effectRef idx="0">
+            <a:schemeClr val="accent1"/>
+          </a:effectRef>
+          <a:fontRef idx="minor">
+            <a:schemeClr val="tx1"/>
+          </a:fontRef>
+        </p:style>
+      </p:cxnSp>
+      <p:sp>
+        <p:nvSpPr>
+          <p:cNvPr id="90" name="직사각형 89"/>
+          <p:cNvSpPr/>
+          <p:nvPr/>
+        </p:nvSpPr>
+        <p:spPr>
+          <a:xfrm>
+            <a:off x="926630" y="677687"/>
+            <a:ext cx="1338828" cy="369332"/>
+          </a:xfrm>
+          <a:prstGeom prst="rect">
+            <a:avLst/>
+          </a:prstGeom>
+          <a:ln>
+            <a:noFill/>
+          </a:ln>
+        </p:spPr>
+        <p:txBody>
+          <a:bodyPr wrap="none">
+            <a:spAutoFit/>
+          </a:bodyPr>
+          <a:lstStyle/>
+          <a:p>
+            <a:r>
+              <a:rPr lang="ko-KR" altLang="en-US" b="1" dirty="0" err="1"/>
+              <a:t>정보구조도</a:t>
+            </a:r>
+            <a:endParaRPr lang="ko-KR" altLang="en-US" b="1" dirty="0"/>
+          </a:p>
+        </p:txBody>
+      </p:sp>
+      <p:sp>
+        <p:nvSpPr>
+          <p:cNvPr id="19" name="직사각형 18"/>
+          <p:cNvSpPr/>
+          <p:nvPr/>
+        </p:nvSpPr>
+        <p:spPr>
+          <a:xfrm>
+            <a:off x="1300223" y="4886606"/>
+            <a:ext cx="1297744" cy="181317"/>
+          </a:xfrm>
+          <a:prstGeom prst="rect">
+            <a:avLst/>
+          </a:prstGeom>
+          <a:solidFill>
+            <a:srgbClr val="D4E7A3"/>
+          </a:solidFill>
+          <a:ln>
+            <a:solidFill>
+              <a:schemeClr val="tx1"/>
+            </a:solidFill>
+          </a:ln>
+        </p:spPr>
+        <p:style>
+          <a:lnRef idx="2">
+            <a:schemeClr val="accent1">
+              <a:shade val="50000"/>
+            </a:schemeClr>
+          </a:lnRef>
+          <a:fillRef idx="1">
+            <a:schemeClr val="accent1"/>
+          </a:fillRef>
+          <a:effectRef idx="0">
+            <a:schemeClr val="accent1"/>
+          </a:effectRef>
+          <a:fontRef idx="minor">
+            <a:schemeClr val="lt1"/>
+          </a:fontRef>
+        </p:style>
+        <p:txBody>
+          <a:bodyPr rtlCol="0" anchor="ctr"/>
+          <a:lstStyle/>
+          <a:p>
+            <a:pPr algn="ctr"/>
+            <a:r>
+              <a:rPr lang="ko-KR" altLang="en-US" sz="1000" dirty="0" smtClean="0">
+                <a:solidFill>
+                  <a:schemeClr val="tx1"/>
+                </a:solidFill>
+              </a:rPr>
+              <a:t>회사소개</a:t>
+            </a:r>
+            <a:endParaRPr lang="ko-KR" altLang="en-US" sz="1000" dirty="0">
+              <a:solidFill>
+                <a:schemeClr val="tx1"/>
+              </a:solidFill>
+            </a:endParaRPr>
+          </a:p>
+        </p:txBody>
+      </p:sp>
+      <p:sp>
+        <p:nvSpPr>
+          <p:cNvPr id="26" name="직사각형 25"/>
+          <p:cNvSpPr/>
+          <p:nvPr/>
+        </p:nvSpPr>
+        <p:spPr>
+          <a:xfrm>
+            <a:off x="3054209" y="4886606"/>
+            <a:ext cx="1297744" cy="181317"/>
+          </a:xfrm>
+          <a:prstGeom prst="rect">
+            <a:avLst/>
+          </a:prstGeom>
+          <a:solidFill>
+            <a:srgbClr val="D4E7A3"/>
+          </a:solidFill>
+          <a:ln>
+            <a:solidFill>
+              <a:schemeClr val="tx1"/>
+            </a:solidFill>
+          </a:ln>
+        </p:spPr>
+        <p:style>
+          <a:lnRef idx="2">
+            <a:schemeClr val="accent1">
+              <a:shade val="50000"/>
+            </a:schemeClr>
+          </a:lnRef>
+          <a:fillRef idx="1">
+            <a:schemeClr val="accent1"/>
+          </a:fillRef>
+          <a:effectRef idx="0">
+            <a:schemeClr val="accent1"/>
+          </a:effectRef>
+          <a:fontRef idx="minor">
+            <a:schemeClr val="lt1"/>
+          </a:fontRef>
+        </p:style>
+        <p:txBody>
+          <a:bodyPr rtlCol="0" anchor="ctr"/>
+          <a:lstStyle/>
+          <a:p>
+            <a:pPr algn="ctr"/>
+            <a:r>
+              <a:rPr lang="ko-KR" altLang="en-US" sz="1000" dirty="0" smtClean="0">
+                <a:solidFill>
+                  <a:schemeClr val="tx1"/>
+                </a:solidFill>
+              </a:rPr>
+              <a:t>사업분야</a:t>
+            </a:r>
+            <a:endParaRPr lang="ko-KR" altLang="en-US" sz="1000" dirty="0">
+              <a:solidFill>
+                <a:schemeClr val="tx1"/>
+              </a:solidFill>
+            </a:endParaRPr>
+          </a:p>
+        </p:txBody>
+      </p:sp>
+      <p:sp>
+        <p:nvSpPr>
+          <p:cNvPr id="27" name="직사각형 26"/>
+          <p:cNvSpPr/>
+          <p:nvPr/>
+        </p:nvSpPr>
+        <p:spPr>
+          <a:xfrm>
+            <a:off x="4808195" y="4886606"/>
+            <a:ext cx="1297744" cy="181317"/>
+          </a:xfrm>
+          <a:prstGeom prst="rect">
+            <a:avLst/>
+          </a:prstGeom>
+          <a:solidFill>
+            <a:srgbClr val="D4E7A3"/>
+          </a:solidFill>
+          <a:ln>
+            <a:solidFill>
+              <a:schemeClr val="tx1"/>
+            </a:solidFill>
+          </a:ln>
+        </p:spPr>
+        <p:style>
+          <a:lnRef idx="2">
+            <a:schemeClr val="accent1">
+              <a:shade val="50000"/>
+            </a:schemeClr>
+          </a:lnRef>
+          <a:fillRef idx="1">
+            <a:schemeClr val="accent1"/>
+          </a:fillRef>
+          <a:effectRef idx="0">
+            <a:schemeClr val="accent1"/>
+          </a:effectRef>
+          <a:fontRef idx="minor">
+            <a:schemeClr val="lt1"/>
+          </a:fontRef>
+        </p:style>
+        <p:txBody>
+          <a:bodyPr rtlCol="0" anchor="ctr"/>
+          <a:lstStyle/>
+          <a:p>
+            <a:pPr algn="ctr"/>
+            <a:r>
+              <a:rPr lang="ko-KR" altLang="en-US" sz="1000" dirty="0" smtClean="0">
+                <a:solidFill>
+                  <a:schemeClr val="tx1"/>
+                </a:solidFill>
+              </a:rPr>
+              <a:t>보유기술</a:t>
+            </a:r>
+            <a:endParaRPr lang="ko-KR" altLang="en-US" sz="1000" dirty="0">
+              <a:solidFill>
+                <a:schemeClr val="tx1"/>
+              </a:solidFill>
+            </a:endParaRPr>
+          </a:p>
+        </p:txBody>
+      </p:sp>
+      <p:sp>
+        <p:nvSpPr>
+          <p:cNvPr id="28" name="직사각형 27"/>
+          <p:cNvSpPr/>
+          <p:nvPr/>
+        </p:nvSpPr>
+        <p:spPr>
+          <a:xfrm>
+            <a:off x="6562181" y="4886606"/>
+            <a:ext cx="1297744" cy="181317"/>
+          </a:xfrm>
+          <a:prstGeom prst="rect">
+            <a:avLst/>
+          </a:prstGeom>
+          <a:solidFill>
+            <a:srgbClr val="D4E7A3"/>
+          </a:solidFill>
+          <a:ln>
+            <a:solidFill>
+              <a:schemeClr val="tx1"/>
+            </a:solidFill>
+          </a:ln>
+        </p:spPr>
+        <p:style>
+          <a:lnRef idx="2">
+            <a:schemeClr val="accent1">
+              <a:shade val="50000"/>
+            </a:schemeClr>
+          </a:lnRef>
+          <a:fillRef idx="1">
+            <a:schemeClr val="accent1"/>
+          </a:fillRef>
+          <a:effectRef idx="0">
+            <a:schemeClr val="accent1"/>
+          </a:effectRef>
+          <a:fontRef idx="minor">
+            <a:schemeClr val="lt1"/>
+          </a:fontRef>
+        </p:style>
+        <p:txBody>
+          <a:bodyPr rtlCol="0" anchor="ctr"/>
+          <a:lstStyle/>
+          <a:p>
+            <a:pPr algn="ctr"/>
+            <a:r>
+              <a:rPr lang="ko-KR" altLang="en-US" sz="1000" dirty="0" smtClean="0">
+                <a:solidFill>
+                  <a:schemeClr val="tx1"/>
+                </a:solidFill>
+              </a:rPr>
+              <a:t>제품소개</a:t>
+            </a:r>
+            <a:endParaRPr lang="ko-KR" altLang="en-US" sz="1000" dirty="0">
+              <a:solidFill>
+                <a:schemeClr val="tx1"/>
+              </a:solidFill>
+            </a:endParaRPr>
+          </a:p>
+        </p:txBody>
+      </p:sp>
+      <p:sp>
+        <p:nvSpPr>
+          <p:cNvPr id="29" name="직사각형 28"/>
+          <p:cNvSpPr/>
+          <p:nvPr/>
+        </p:nvSpPr>
+        <p:spPr>
+          <a:xfrm>
+            <a:off x="8316167" y="4886606"/>
+            <a:ext cx="1297744" cy="181317"/>
+          </a:xfrm>
+          <a:prstGeom prst="rect">
+            <a:avLst/>
+          </a:prstGeom>
+          <a:solidFill>
+            <a:srgbClr val="D4E7A3"/>
+          </a:solidFill>
+          <a:ln>
+            <a:solidFill>
+              <a:schemeClr val="tx1"/>
+            </a:solidFill>
+          </a:ln>
+        </p:spPr>
+        <p:style>
+          <a:lnRef idx="2">
+            <a:schemeClr val="accent1">
+              <a:shade val="50000"/>
+            </a:schemeClr>
+          </a:lnRef>
+          <a:fillRef idx="1">
+            <a:schemeClr val="accent1"/>
+          </a:fillRef>
+          <a:effectRef idx="0">
+            <a:schemeClr val="accent1"/>
+          </a:effectRef>
+          <a:fontRef idx="minor">
+            <a:schemeClr val="lt1"/>
+          </a:fontRef>
+        </p:style>
+        <p:txBody>
+          <a:bodyPr rtlCol="0" anchor="ctr"/>
+          <a:lstStyle/>
+          <a:p>
+            <a:pPr algn="ctr"/>
+            <a:r>
+              <a:rPr lang="ko-KR" altLang="en-US" sz="1000" dirty="0" err="1" smtClean="0">
+                <a:solidFill>
+                  <a:schemeClr val="tx1"/>
+                </a:solidFill>
+              </a:rPr>
+              <a:t>주요실적</a:t>
+            </a:r>
+            <a:endParaRPr lang="ko-KR" altLang="en-US" sz="1000" dirty="0">
+              <a:solidFill>
+                <a:schemeClr val="tx1"/>
+              </a:solidFill>
+            </a:endParaRPr>
+          </a:p>
+        </p:txBody>
+      </p:sp>
+      <p:sp>
+        <p:nvSpPr>
+          <p:cNvPr id="30" name="직사각형 29"/>
+          <p:cNvSpPr/>
+          <p:nvPr/>
+        </p:nvSpPr>
+        <p:spPr>
+          <a:xfrm>
+            <a:off x="10070153" y="4886606"/>
+            <a:ext cx="1297744" cy="181317"/>
+          </a:xfrm>
+          <a:prstGeom prst="rect">
+            <a:avLst/>
+          </a:prstGeom>
+          <a:solidFill>
+            <a:srgbClr val="D4E7A3"/>
+          </a:solidFill>
+          <a:ln>
+            <a:solidFill>
+              <a:schemeClr val="tx1"/>
+            </a:solidFill>
+          </a:ln>
+        </p:spPr>
+        <p:style>
+          <a:lnRef idx="2">
+            <a:schemeClr val="accent1">
+              <a:shade val="50000"/>
+            </a:schemeClr>
+          </a:lnRef>
+          <a:fillRef idx="1">
+            <a:schemeClr val="accent1"/>
+          </a:fillRef>
+          <a:effectRef idx="0">
+            <a:schemeClr val="accent1"/>
+          </a:effectRef>
+          <a:fontRef idx="minor">
+            <a:schemeClr val="lt1"/>
+          </a:fontRef>
+        </p:style>
+        <p:txBody>
+          <a:bodyPr rtlCol="0" anchor="ctr"/>
+          <a:lstStyle/>
+          <a:p>
+            <a:pPr algn="ctr"/>
+            <a:r>
+              <a:rPr lang="en-US" altLang="ko-KR" sz="1000" dirty="0" smtClean="0">
+                <a:solidFill>
+                  <a:schemeClr val="tx1"/>
+                </a:solidFill>
+              </a:rPr>
+              <a:t>Contact</a:t>
+            </a:r>
+            <a:endParaRPr lang="ko-KR" altLang="en-US" sz="1000" dirty="0">
+              <a:solidFill>
+                <a:schemeClr val="tx1"/>
+              </a:solidFill>
+            </a:endParaRPr>
+          </a:p>
+        </p:txBody>
+      </p:sp>
+      <p:sp>
+        <p:nvSpPr>
+          <p:cNvPr id="31" name="직사각형 30"/>
+          <p:cNvSpPr/>
+          <p:nvPr/>
+        </p:nvSpPr>
+        <p:spPr>
+          <a:xfrm>
+            <a:off x="1300225" y="5220126"/>
+            <a:ext cx="1297742" cy="1272116"/>
+          </a:xfrm>
+          <a:prstGeom prst="rect">
+            <a:avLst/>
+          </a:prstGeom>
+          <a:solidFill>
+            <a:srgbClr val="019587"/>
+          </a:solidFill>
+          <a:ln>
+            <a:solidFill>
+              <a:schemeClr val="tx1"/>
+            </a:solidFill>
+          </a:ln>
+        </p:spPr>
+        <p:style>
+          <a:lnRef idx="2">
+            <a:schemeClr val="accent1">
+              <a:shade val="50000"/>
+            </a:schemeClr>
+          </a:lnRef>
+          <a:fillRef idx="1">
+            <a:schemeClr val="accent1"/>
+          </a:fillRef>
+          <a:effectRef idx="0">
+            <a:schemeClr val="accent1"/>
+          </a:effectRef>
+          <a:fontRef idx="minor">
+            <a:schemeClr val="lt1"/>
+          </a:fontRef>
+        </p:style>
+        <p:txBody>
+          <a:bodyPr rtlCol="0" anchor="ctr"/>
+          <a:lstStyle/>
+          <a:p>
+            <a:pPr algn="ctr"/>
+            <a:r>
+              <a:rPr lang="ko-KR" altLang="en-US" sz="1000" dirty="0" smtClean="0">
+                <a:solidFill>
+                  <a:schemeClr val="tx1"/>
+                </a:solidFill>
+              </a:rPr>
+              <a:t>인사말</a:t>
+            </a:r>
+            <a:endParaRPr lang="en-US" altLang="ko-KR" sz="1000" dirty="0" smtClean="0">
+              <a:solidFill>
+                <a:schemeClr val="tx1"/>
+              </a:solidFill>
+            </a:endParaRPr>
+          </a:p>
+          <a:p>
+            <a:pPr algn="ctr"/>
+            <a:r>
+              <a:rPr lang="ko-KR" altLang="en-US" sz="1000" dirty="0" err="1" smtClean="0">
+                <a:solidFill>
+                  <a:schemeClr val="tx1"/>
+                </a:solidFill>
+              </a:rPr>
+              <a:t>회사연혁</a:t>
+            </a:r>
+            <a:endParaRPr lang="en-US" altLang="ko-KR" sz="1000" dirty="0" smtClean="0">
+              <a:solidFill>
+                <a:schemeClr val="tx1"/>
+              </a:solidFill>
+            </a:endParaRPr>
+          </a:p>
+          <a:p>
+            <a:pPr algn="ctr"/>
+            <a:r>
+              <a:rPr lang="ko-KR" altLang="en-US" sz="1000" dirty="0" smtClean="0">
+                <a:solidFill>
+                  <a:schemeClr val="tx1"/>
+                </a:solidFill>
+              </a:rPr>
+              <a:t>연락처</a:t>
+            </a:r>
+            <a:endParaRPr lang="ko-KR" altLang="en-US" sz="1000" dirty="0">
+              <a:solidFill>
+                <a:schemeClr val="tx1"/>
+              </a:solidFill>
+            </a:endParaRPr>
+          </a:p>
+        </p:txBody>
+      </p:sp>
+      <p:sp>
+        <p:nvSpPr>
+          <p:cNvPr id="33" name="직사각형 32"/>
+          <p:cNvSpPr/>
+          <p:nvPr/>
+        </p:nvSpPr>
+        <p:spPr>
+          <a:xfrm>
+            <a:off x="3054211" y="5220125"/>
+            <a:ext cx="1297742" cy="1272116"/>
+          </a:xfrm>
+          <a:prstGeom prst="rect">
+            <a:avLst/>
+          </a:prstGeom>
+          <a:solidFill>
+            <a:srgbClr val="019587"/>
+          </a:solidFill>
+          <a:ln>
+            <a:solidFill>
+              <a:schemeClr val="tx1"/>
+            </a:solidFill>
+          </a:ln>
+        </p:spPr>
+        <p:style>
+          <a:lnRef idx="2">
+            <a:schemeClr val="accent1">
+              <a:shade val="50000"/>
+            </a:schemeClr>
+          </a:lnRef>
+          <a:fillRef idx="1">
+            <a:schemeClr val="accent1"/>
+          </a:fillRef>
+          <a:effectRef idx="0">
+            <a:schemeClr val="accent1"/>
+          </a:effectRef>
+          <a:fontRef idx="minor">
+            <a:schemeClr val="lt1"/>
+          </a:fontRef>
+        </p:style>
+        <p:txBody>
+          <a:bodyPr rtlCol="0" anchor="ctr"/>
+          <a:lstStyle/>
+          <a:p>
+            <a:pPr algn="ctr"/>
+            <a:r>
+              <a:rPr lang="ko-KR" altLang="en-US" sz="1000" dirty="0" smtClean="0">
+                <a:solidFill>
+                  <a:schemeClr val="tx1"/>
+                </a:solidFill>
+              </a:rPr>
+              <a:t>노면 </a:t>
+            </a:r>
+            <a:r>
+              <a:rPr lang="ko-KR" altLang="en-US" sz="1000" dirty="0" err="1" smtClean="0">
+                <a:solidFill>
+                  <a:schemeClr val="tx1"/>
+                </a:solidFill>
+              </a:rPr>
+              <a:t>트램</a:t>
+            </a:r>
+            <a:endParaRPr lang="en-US" altLang="ko-KR" sz="1000" dirty="0" smtClean="0">
+              <a:solidFill>
+                <a:schemeClr val="tx1"/>
+              </a:solidFill>
+            </a:endParaRPr>
+          </a:p>
+          <a:p>
+            <a:pPr algn="ctr"/>
+            <a:r>
+              <a:rPr lang="en-US" altLang="ko-KR" sz="1000" dirty="0" smtClean="0">
+                <a:solidFill>
+                  <a:schemeClr val="tx1"/>
+                </a:solidFill>
+              </a:rPr>
+              <a:t>ERS </a:t>
+            </a:r>
+            <a:r>
+              <a:rPr lang="ko-KR" altLang="en-US" sz="1000" dirty="0" smtClean="0">
+                <a:solidFill>
+                  <a:schemeClr val="tx1"/>
+                </a:solidFill>
+              </a:rPr>
+              <a:t>궤도</a:t>
+            </a:r>
+            <a:endParaRPr lang="en-US" altLang="ko-KR" sz="1000" dirty="0" smtClean="0">
+              <a:solidFill>
+                <a:schemeClr val="tx1"/>
+              </a:solidFill>
+            </a:endParaRPr>
+          </a:p>
+          <a:p>
+            <a:pPr algn="ctr"/>
+            <a:r>
+              <a:rPr lang="ko-KR" altLang="en-US" sz="1000" dirty="0" err="1" smtClean="0">
+                <a:solidFill>
+                  <a:schemeClr val="tx1"/>
+                </a:solidFill>
+              </a:rPr>
+              <a:t>철도궤도</a:t>
+            </a:r>
+            <a:r>
+              <a:rPr lang="ko-KR" altLang="en-US" sz="1000" dirty="0" smtClean="0">
+                <a:solidFill>
+                  <a:schemeClr val="tx1"/>
+                </a:solidFill>
+              </a:rPr>
+              <a:t> 시공</a:t>
+            </a:r>
+            <a:endParaRPr lang="en-US" altLang="ko-KR" sz="1000" dirty="0" smtClean="0">
+              <a:solidFill>
+                <a:schemeClr val="tx1"/>
+              </a:solidFill>
+            </a:endParaRPr>
+          </a:p>
+          <a:p>
+            <a:pPr algn="ctr"/>
+            <a:r>
+              <a:rPr lang="ko-KR" altLang="en-US" sz="1000" dirty="0" smtClean="0">
+                <a:solidFill>
+                  <a:schemeClr val="tx1"/>
+                </a:solidFill>
+              </a:rPr>
+              <a:t>유지 보수</a:t>
+            </a:r>
+            <a:endParaRPr lang="en-US" altLang="ko-KR" sz="1000" dirty="0" smtClean="0">
+              <a:solidFill>
+                <a:schemeClr val="tx1"/>
+              </a:solidFill>
+            </a:endParaRPr>
+          </a:p>
+          <a:p>
+            <a:pPr algn="ctr"/>
+            <a:r>
+              <a:rPr lang="ko-KR" altLang="en-US" sz="1000" dirty="0" smtClean="0">
+                <a:solidFill>
+                  <a:schemeClr val="tx1"/>
+                </a:solidFill>
+              </a:rPr>
+              <a:t>진동 제어</a:t>
+            </a:r>
+            <a:endParaRPr lang="en-US" altLang="ko-KR" sz="1000" dirty="0" smtClean="0">
+              <a:solidFill>
+                <a:schemeClr val="tx1"/>
+              </a:solidFill>
+            </a:endParaRPr>
+          </a:p>
+        </p:txBody>
+      </p:sp>
+      <p:sp>
+        <p:nvSpPr>
+          <p:cNvPr id="34" name="직사각형 33"/>
+          <p:cNvSpPr/>
+          <p:nvPr/>
+        </p:nvSpPr>
+        <p:spPr>
+          <a:xfrm>
+            <a:off x="4808197" y="5220124"/>
+            <a:ext cx="1297742" cy="1272116"/>
+          </a:xfrm>
+          <a:prstGeom prst="rect">
+            <a:avLst/>
+          </a:prstGeom>
+          <a:solidFill>
+            <a:srgbClr val="019587"/>
+          </a:solidFill>
+          <a:ln>
+            <a:solidFill>
+              <a:schemeClr val="tx1"/>
+            </a:solidFill>
+          </a:ln>
+        </p:spPr>
+        <p:style>
+          <a:lnRef idx="2">
+            <a:schemeClr val="accent1">
+              <a:shade val="50000"/>
+            </a:schemeClr>
+          </a:lnRef>
+          <a:fillRef idx="1">
+            <a:schemeClr val="accent1"/>
+          </a:fillRef>
+          <a:effectRef idx="0">
+            <a:schemeClr val="accent1"/>
+          </a:effectRef>
+          <a:fontRef idx="minor">
+            <a:schemeClr val="lt1"/>
+          </a:fontRef>
+        </p:style>
+        <p:txBody>
+          <a:bodyPr rtlCol="0" anchor="ctr"/>
+          <a:lstStyle/>
+          <a:p>
+            <a:pPr algn="ctr"/>
+            <a:r>
+              <a:rPr lang="ko-KR" altLang="en-US" sz="1000" dirty="0" err="1" smtClean="0">
+                <a:solidFill>
+                  <a:schemeClr val="tx1"/>
+                </a:solidFill>
+              </a:rPr>
+              <a:t>트램</a:t>
+            </a:r>
+            <a:r>
+              <a:rPr lang="ko-KR" altLang="en-US" sz="1000" dirty="0" smtClean="0">
+                <a:solidFill>
+                  <a:schemeClr val="tx1"/>
+                </a:solidFill>
+              </a:rPr>
+              <a:t> 설계</a:t>
+            </a:r>
+            <a:endParaRPr lang="en-US" altLang="ko-KR" sz="1000" dirty="0" smtClean="0">
+              <a:solidFill>
+                <a:schemeClr val="tx1"/>
+              </a:solidFill>
+            </a:endParaRPr>
+          </a:p>
+          <a:p>
+            <a:pPr algn="ctr"/>
+            <a:r>
+              <a:rPr lang="ko-KR" altLang="en-US" sz="1000" dirty="0" smtClean="0">
+                <a:solidFill>
+                  <a:schemeClr val="tx1"/>
+                </a:solidFill>
+              </a:rPr>
+              <a:t>홈 시공법</a:t>
+            </a:r>
+            <a:endParaRPr lang="en-US" altLang="ko-KR" sz="1000" dirty="0" smtClean="0">
+              <a:solidFill>
+                <a:schemeClr val="tx1"/>
+              </a:solidFill>
+            </a:endParaRPr>
+          </a:p>
+          <a:p>
+            <a:pPr algn="ctr"/>
+            <a:r>
+              <a:rPr lang="en-US" altLang="ko-KR" sz="1000" dirty="0" smtClean="0">
+                <a:solidFill>
+                  <a:schemeClr val="tx1"/>
+                </a:solidFill>
+              </a:rPr>
+              <a:t>Precast </a:t>
+            </a:r>
+            <a:r>
+              <a:rPr lang="ko-KR" altLang="en-US" sz="1000" dirty="0" smtClean="0">
+                <a:solidFill>
+                  <a:schemeClr val="tx1"/>
+                </a:solidFill>
+              </a:rPr>
+              <a:t>시공</a:t>
+            </a:r>
+            <a:endParaRPr lang="en-US" altLang="ko-KR" sz="1000" dirty="0" smtClean="0">
+              <a:solidFill>
+                <a:schemeClr val="tx1"/>
+              </a:solidFill>
+            </a:endParaRPr>
+          </a:p>
+          <a:p>
+            <a:pPr algn="ctr"/>
+            <a:r>
+              <a:rPr lang="ko-KR" altLang="en-US" sz="1000" dirty="0" smtClean="0">
+                <a:solidFill>
+                  <a:schemeClr val="tx1"/>
+                </a:solidFill>
+              </a:rPr>
+              <a:t>침하복원공법</a:t>
+            </a:r>
+            <a:endParaRPr lang="en-US" altLang="ko-KR" sz="1000" dirty="0" smtClean="0">
+              <a:solidFill>
+                <a:schemeClr val="tx1"/>
+              </a:solidFill>
+            </a:endParaRPr>
+          </a:p>
+          <a:p>
+            <a:pPr algn="ctr"/>
+            <a:r>
+              <a:rPr lang="ko-KR" altLang="en-US" sz="1000" dirty="0" smtClean="0">
+                <a:solidFill>
+                  <a:schemeClr val="tx1"/>
+                </a:solidFill>
+              </a:rPr>
+              <a:t>검측 및 보수</a:t>
+            </a:r>
+            <a:endParaRPr lang="en-US" altLang="ko-KR" sz="1000" dirty="0" smtClean="0">
+              <a:solidFill>
+                <a:schemeClr val="tx1"/>
+              </a:solidFill>
+            </a:endParaRPr>
+          </a:p>
+          <a:p>
+            <a:pPr algn="ctr"/>
+            <a:r>
+              <a:rPr lang="ko-KR" altLang="en-US" sz="1000" dirty="0" smtClean="0">
+                <a:solidFill>
+                  <a:schemeClr val="tx1"/>
+                </a:solidFill>
+              </a:rPr>
+              <a:t>엔지니어링</a:t>
+            </a:r>
+            <a:endParaRPr lang="ko-KR" altLang="en-US" sz="1000" dirty="0">
+              <a:solidFill>
+                <a:schemeClr val="tx1"/>
+              </a:solidFill>
+            </a:endParaRPr>
+          </a:p>
+        </p:txBody>
+      </p:sp>
+      <p:sp>
+        <p:nvSpPr>
+          <p:cNvPr id="35" name="직사각형 34"/>
+          <p:cNvSpPr/>
+          <p:nvPr/>
+        </p:nvSpPr>
+        <p:spPr>
+          <a:xfrm>
+            <a:off x="6562183" y="5220124"/>
+            <a:ext cx="1297742" cy="1272116"/>
+          </a:xfrm>
+          <a:prstGeom prst="rect">
+            <a:avLst/>
+          </a:prstGeom>
+          <a:solidFill>
+            <a:srgbClr val="019587"/>
+          </a:solidFill>
+          <a:ln>
+            <a:solidFill>
+              <a:schemeClr val="tx1"/>
+            </a:solidFill>
+          </a:ln>
+        </p:spPr>
+        <p:style>
+          <a:lnRef idx="2">
+            <a:schemeClr val="accent1">
+              <a:shade val="50000"/>
+            </a:schemeClr>
+          </a:lnRef>
+          <a:fillRef idx="1">
+            <a:schemeClr val="accent1"/>
+          </a:fillRef>
+          <a:effectRef idx="0">
+            <a:schemeClr val="accent1"/>
+          </a:effectRef>
+          <a:fontRef idx="minor">
+            <a:schemeClr val="lt1"/>
+          </a:fontRef>
+        </p:style>
+        <p:txBody>
+          <a:bodyPr rtlCol="0" anchor="ctr"/>
+          <a:lstStyle/>
+          <a:p>
+            <a:pPr algn="ctr"/>
+            <a:r>
+              <a:rPr lang="en-US" altLang="ko-KR" sz="1000" dirty="0" err="1" smtClean="0">
+                <a:solidFill>
+                  <a:schemeClr val="tx1"/>
+                </a:solidFill>
+              </a:rPr>
+              <a:t>Polycork</a:t>
+            </a:r>
+            <a:endParaRPr lang="en-US" altLang="ko-KR" sz="1000" dirty="0" smtClean="0">
+              <a:solidFill>
+                <a:schemeClr val="tx1"/>
+              </a:solidFill>
+            </a:endParaRPr>
+          </a:p>
+          <a:p>
+            <a:pPr algn="ctr"/>
+            <a:r>
+              <a:rPr lang="en-US" altLang="ko-KR" sz="1000" dirty="0" err="1" smtClean="0">
+                <a:solidFill>
+                  <a:schemeClr val="tx1"/>
+                </a:solidFill>
+              </a:rPr>
+              <a:t>PURailstrip</a:t>
+            </a:r>
+            <a:endParaRPr lang="en-US" altLang="ko-KR" sz="1000" dirty="0" smtClean="0">
+              <a:solidFill>
+                <a:schemeClr val="tx1"/>
+              </a:solidFill>
+            </a:endParaRPr>
+          </a:p>
+          <a:p>
+            <a:pPr algn="ctr"/>
+            <a:r>
+              <a:rPr lang="ko-KR" altLang="en-US" sz="1000" dirty="0" smtClean="0">
+                <a:solidFill>
+                  <a:schemeClr val="tx1"/>
+                </a:solidFill>
+              </a:rPr>
+              <a:t>한국형 </a:t>
+            </a:r>
+            <a:r>
+              <a:rPr lang="en-US" altLang="ko-KR" sz="1000" dirty="0" smtClean="0">
+                <a:solidFill>
+                  <a:schemeClr val="tx1"/>
+                </a:solidFill>
+              </a:rPr>
+              <a:t>EPS </a:t>
+            </a:r>
+            <a:r>
+              <a:rPr lang="ko-KR" altLang="en-US" sz="1000" dirty="0" smtClean="0">
+                <a:solidFill>
+                  <a:schemeClr val="tx1"/>
+                </a:solidFill>
+              </a:rPr>
+              <a:t>궤도</a:t>
+            </a:r>
+            <a:endParaRPr lang="en-US" altLang="ko-KR" sz="1000" dirty="0" smtClean="0">
+              <a:solidFill>
+                <a:schemeClr val="tx1"/>
+              </a:solidFill>
+            </a:endParaRPr>
+          </a:p>
+          <a:p>
+            <a:pPr algn="ctr"/>
+            <a:r>
+              <a:rPr lang="ko-KR" altLang="en-US" sz="1000" dirty="0" err="1" smtClean="0">
+                <a:solidFill>
+                  <a:schemeClr val="tx1"/>
+                </a:solidFill>
+              </a:rPr>
+              <a:t>레일자켓</a:t>
+            </a:r>
+            <a:r>
+              <a:rPr lang="ko-KR" altLang="en-US" sz="1000" dirty="0">
+                <a:solidFill>
+                  <a:schemeClr val="tx1"/>
+                </a:solidFill>
+              </a:rPr>
+              <a:t> </a:t>
+            </a:r>
+            <a:r>
+              <a:rPr lang="ko-KR" altLang="en-US" sz="1000" dirty="0" smtClean="0">
+                <a:solidFill>
+                  <a:schemeClr val="tx1"/>
+                </a:solidFill>
+              </a:rPr>
+              <a:t>궤도</a:t>
+            </a:r>
+            <a:endParaRPr lang="en-US" altLang="ko-KR" sz="1000" dirty="0" smtClean="0">
+              <a:solidFill>
+                <a:schemeClr val="tx1"/>
+              </a:solidFill>
+            </a:endParaRPr>
+          </a:p>
+          <a:p>
+            <a:pPr algn="ctr"/>
+            <a:r>
+              <a:rPr lang="ko-KR" altLang="en-US" sz="1000" dirty="0" smtClean="0">
+                <a:solidFill>
+                  <a:schemeClr val="tx1"/>
+                </a:solidFill>
+              </a:rPr>
+              <a:t>저소음 철도교</a:t>
+            </a:r>
+            <a:endParaRPr lang="en-US" altLang="ko-KR" sz="1000" dirty="0" smtClean="0">
+              <a:solidFill>
+                <a:schemeClr val="tx1"/>
+              </a:solidFill>
+            </a:endParaRPr>
+          </a:p>
+          <a:p>
+            <a:pPr algn="ctr"/>
+            <a:r>
+              <a:rPr lang="ko-KR" altLang="en-US" sz="1000" dirty="0" smtClean="0">
+                <a:solidFill>
+                  <a:schemeClr val="tx1"/>
+                </a:solidFill>
+              </a:rPr>
+              <a:t>슬라이딩 </a:t>
+            </a:r>
+            <a:r>
+              <a:rPr lang="en-US" altLang="ko-KR" sz="1000" dirty="0" smtClean="0">
+                <a:solidFill>
+                  <a:schemeClr val="tx1"/>
+                </a:solidFill>
+              </a:rPr>
+              <a:t>ERS </a:t>
+            </a:r>
+            <a:r>
+              <a:rPr lang="ko-KR" altLang="en-US" sz="1000" dirty="0" smtClean="0">
+                <a:solidFill>
+                  <a:schemeClr val="tx1"/>
+                </a:solidFill>
+              </a:rPr>
+              <a:t>궤도</a:t>
+            </a:r>
+            <a:endParaRPr lang="en-US" altLang="ko-KR" sz="1000" dirty="0" smtClean="0">
+              <a:solidFill>
+                <a:schemeClr val="tx1"/>
+              </a:solidFill>
+            </a:endParaRPr>
+          </a:p>
+          <a:p>
+            <a:pPr algn="ctr"/>
+            <a:r>
+              <a:rPr lang="ko-KR" altLang="en-US" sz="1000" dirty="0" err="1" smtClean="0">
+                <a:solidFill>
+                  <a:schemeClr val="tx1"/>
+                </a:solidFill>
+              </a:rPr>
+              <a:t>테르밋</a:t>
+            </a:r>
+            <a:r>
+              <a:rPr lang="ko-KR" altLang="en-US" sz="1000" dirty="0" smtClean="0">
+                <a:solidFill>
+                  <a:schemeClr val="tx1"/>
+                </a:solidFill>
+              </a:rPr>
+              <a:t> 용접</a:t>
+            </a:r>
+            <a:endParaRPr lang="en-US" altLang="ko-KR" sz="1000" dirty="0" smtClean="0">
+              <a:solidFill>
+                <a:schemeClr val="tx1"/>
+              </a:solidFill>
+            </a:endParaRPr>
+          </a:p>
+          <a:p>
+            <a:pPr algn="ctr"/>
+            <a:r>
+              <a:rPr lang="ko-KR" altLang="en-US" sz="1000" dirty="0" err="1" smtClean="0">
+                <a:solidFill>
+                  <a:schemeClr val="tx1"/>
+                </a:solidFill>
+              </a:rPr>
+              <a:t>차축검지</a:t>
+            </a:r>
+            <a:endParaRPr lang="en-US" altLang="ko-KR" sz="1000" dirty="0">
+              <a:solidFill>
+                <a:schemeClr val="tx1"/>
+              </a:solidFill>
+            </a:endParaRPr>
+          </a:p>
+        </p:txBody>
+      </p:sp>
+      <p:sp>
+        <p:nvSpPr>
+          <p:cNvPr id="36" name="직사각형 35"/>
+          <p:cNvSpPr/>
+          <p:nvPr/>
+        </p:nvSpPr>
+        <p:spPr>
+          <a:xfrm>
+            <a:off x="8316169" y="5220123"/>
+            <a:ext cx="1297742" cy="1272116"/>
+          </a:xfrm>
+          <a:prstGeom prst="rect">
+            <a:avLst/>
+          </a:prstGeom>
+          <a:solidFill>
+            <a:srgbClr val="019587"/>
+          </a:solidFill>
+          <a:ln>
+            <a:solidFill>
+              <a:schemeClr val="tx1"/>
+            </a:solidFill>
+          </a:ln>
+        </p:spPr>
+        <p:style>
+          <a:lnRef idx="2">
+            <a:schemeClr val="accent1">
+              <a:shade val="50000"/>
+            </a:schemeClr>
+          </a:lnRef>
+          <a:fillRef idx="1">
+            <a:schemeClr val="accent1"/>
+          </a:fillRef>
+          <a:effectRef idx="0">
+            <a:schemeClr val="accent1"/>
+          </a:effectRef>
+          <a:fontRef idx="minor">
+            <a:schemeClr val="lt1"/>
+          </a:fontRef>
+        </p:style>
+        <p:txBody>
+          <a:bodyPr rtlCol="0" anchor="ctr"/>
+          <a:lstStyle/>
+          <a:p>
+            <a:pPr algn="ctr"/>
+            <a:r>
+              <a:rPr lang="ko-KR" altLang="en-US" sz="1000" dirty="0" err="1" smtClean="0">
+                <a:solidFill>
+                  <a:schemeClr val="tx1"/>
+                </a:solidFill>
+              </a:rPr>
+              <a:t>트램</a:t>
+            </a:r>
+            <a:r>
+              <a:rPr lang="ko-KR" altLang="en-US" sz="1000" dirty="0" smtClean="0">
+                <a:solidFill>
+                  <a:schemeClr val="tx1"/>
+                </a:solidFill>
+              </a:rPr>
+              <a:t> 궤도</a:t>
+            </a:r>
+            <a:endParaRPr lang="en-US" altLang="ko-KR" sz="1000" dirty="0" smtClean="0">
+              <a:solidFill>
+                <a:schemeClr val="tx1"/>
+              </a:solidFill>
+            </a:endParaRPr>
+          </a:p>
+          <a:p>
+            <a:pPr algn="ctr"/>
+            <a:r>
+              <a:rPr lang="ko-KR" altLang="en-US" sz="1000" dirty="0" smtClean="0">
+                <a:solidFill>
+                  <a:schemeClr val="tx1"/>
+                </a:solidFill>
+              </a:rPr>
+              <a:t>철도 궤도</a:t>
+            </a:r>
+            <a:endParaRPr lang="en-US" altLang="ko-KR" sz="1000" dirty="0" smtClean="0">
+              <a:solidFill>
+                <a:schemeClr val="tx1"/>
+              </a:solidFill>
+            </a:endParaRPr>
+          </a:p>
+          <a:p>
+            <a:pPr algn="ctr"/>
+            <a:r>
+              <a:rPr lang="ko-KR" altLang="en-US" sz="1000" dirty="0" smtClean="0">
+                <a:solidFill>
+                  <a:schemeClr val="tx1"/>
+                </a:solidFill>
+              </a:rPr>
+              <a:t>저소음 철도교</a:t>
+            </a:r>
+            <a:endParaRPr lang="en-US" altLang="ko-KR" sz="1000" dirty="0" smtClean="0">
+              <a:solidFill>
+                <a:schemeClr val="tx1"/>
+              </a:solidFill>
+            </a:endParaRPr>
+          </a:p>
+          <a:p>
+            <a:pPr algn="ctr"/>
+            <a:r>
+              <a:rPr lang="en-US" altLang="ko-KR" sz="1000" dirty="0" err="1" smtClean="0">
+                <a:solidFill>
+                  <a:schemeClr val="tx1"/>
+                </a:solidFill>
+              </a:rPr>
+              <a:t>Cran</a:t>
+            </a:r>
+            <a:r>
+              <a:rPr lang="en-US" altLang="ko-KR" sz="1000" dirty="0" smtClean="0">
+                <a:solidFill>
+                  <a:schemeClr val="tx1"/>
+                </a:solidFill>
+              </a:rPr>
+              <a:t> </a:t>
+            </a:r>
+            <a:r>
+              <a:rPr lang="ko-KR" altLang="en-US" sz="1000" dirty="0" smtClean="0">
+                <a:solidFill>
+                  <a:schemeClr val="tx1"/>
+                </a:solidFill>
+              </a:rPr>
+              <a:t>구</a:t>
+            </a:r>
+            <a:r>
+              <a:rPr lang="en-US" altLang="ko-KR" sz="1000" dirty="0" smtClean="0">
+                <a:solidFill>
+                  <a:schemeClr val="tx1"/>
+                </a:solidFill>
+              </a:rPr>
+              <a:t>[</a:t>
+            </a:r>
+            <a:r>
+              <a:rPr lang="ko-KR" altLang="en-US" sz="1000" dirty="0" smtClean="0">
+                <a:solidFill>
+                  <a:schemeClr val="tx1"/>
+                </a:solidFill>
+              </a:rPr>
+              <a:t>도</a:t>
+            </a:r>
+            <a:endParaRPr lang="en-US" altLang="ko-KR" sz="1000" dirty="0" smtClean="0">
+              <a:solidFill>
+                <a:schemeClr val="tx1"/>
+              </a:solidFill>
+            </a:endParaRPr>
+          </a:p>
+        </p:txBody>
+      </p:sp>
+      <p:sp>
+        <p:nvSpPr>
+          <p:cNvPr id="37" name="직사각형 36"/>
+          <p:cNvSpPr/>
+          <p:nvPr/>
+        </p:nvSpPr>
+        <p:spPr>
+          <a:xfrm>
+            <a:off x="10070155" y="5220122"/>
+            <a:ext cx="1297742" cy="1272116"/>
+          </a:xfrm>
+          <a:prstGeom prst="rect">
+            <a:avLst/>
+          </a:prstGeom>
+          <a:ln>
+            <a:solidFill>
+              <a:schemeClr val="tx1"/>
+            </a:solidFill>
+          </a:ln>
+        </p:spPr>
+        <p:style>
+          <a:lnRef idx="2">
+            <a:schemeClr val="accent1">
+              <a:shade val="50000"/>
+            </a:schemeClr>
+          </a:lnRef>
+          <a:fillRef idx="1">
+            <a:schemeClr val="accent1"/>
+          </a:fillRef>
+          <a:effectRef idx="0">
+            <a:schemeClr val="accent1"/>
+          </a:effectRef>
+          <a:fontRef idx="minor">
+            <a:schemeClr val="lt1"/>
+          </a:fontRef>
+        </p:style>
+        <p:txBody>
+          <a:bodyPr rtlCol="0" anchor="ctr"/>
+          <a:lstStyle/>
+          <a:p>
+            <a:pPr algn="ctr"/>
+            <a:r>
+              <a:rPr lang="en-US" altLang="ko-KR" sz="1000" dirty="0" smtClean="0">
+                <a:solidFill>
+                  <a:schemeClr val="tx1"/>
+                </a:solidFill>
+              </a:rPr>
+              <a:t>Main</a:t>
+            </a:r>
+            <a:r>
+              <a:rPr lang="ko-KR" altLang="en-US" sz="1000" dirty="0" smtClean="0">
+                <a:solidFill>
+                  <a:schemeClr val="tx1"/>
+                </a:solidFill>
+              </a:rPr>
+              <a:t> </a:t>
+            </a:r>
+            <a:r>
+              <a:rPr lang="en-US" altLang="ko-KR" sz="1000" dirty="0" smtClean="0">
+                <a:solidFill>
+                  <a:schemeClr val="tx1"/>
+                </a:solidFill>
+              </a:rPr>
+              <a:t>Page</a:t>
+            </a:r>
+            <a:endParaRPr lang="ko-KR" altLang="en-US" sz="1000" dirty="0">
+              <a:solidFill>
+                <a:schemeClr val="tx1"/>
+              </a:solidFill>
+            </a:endParaRPr>
+          </a:p>
+        </p:txBody>
+      </p:sp>
+      <p:sp>
+        <p:nvSpPr>
+          <p:cNvPr id="38" name="직사각형 37"/>
+          <p:cNvSpPr/>
+          <p:nvPr/>
+        </p:nvSpPr>
+        <p:spPr>
+          <a:xfrm>
+            <a:off x="10070155" y="5220121"/>
+            <a:ext cx="1297742" cy="1272116"/>
+          </a:xfrm>
+          <a:prstGeom prst="rect">
+            <a:avLst/>
+          </a:prstGeom>
+          <a:solidFill>
+            <a:srgbClr val="019587"/>
+          </a:solidFill>
+          <a:ln>
+            <a:solidFill>
+              <a:schemeClr val="tx1"/>
+            </a:solidFill>
+          </a:ln>
+        </p:spPr>
+        <p:style>
+          <a:lnRef idx="2">
+            <a:schemeClr val="accent1">
+              <a:shade val="50000"/>
+            </a:schemeClr>
+          </a:lnRef>
+          <a:fillRef idx="1">
+            <a:schemeClr val="accent1"/>
+          </a:fillRef>
+          <a:effectRef idx="0">
+            <a:schemeClr val="accent1"/>
+          </a:effectRef>
+          <a:fontRef idx="minor">
+            <a:schemeClr val="lt1"/>
+          </a:fontRef>
+        </p:style>
+        <p:txBody>
+          <a:bodyPr rtlCol="0" anchor="ctr"/>
+          <a:lstStyle/>
+          <a:p>
+            <a:pPr algn="ctr"/>
+            <a:r>
+              <a:rPr lang="ko-KR" altLang="en-US" sz="1000" dirty="0" smtClean="0">
+                <a:solidFill>
+                  <a:schemeClr val="tx1"/>
+                </a:solidFill>
+              </a:rPr>
+              <a:t>문의하기</a:t>
+            </a:r>
+            <a:endParaRPr lang="en-US" altLang="ko-KR" sz="1000" dirty="0" smtClean="0">
+              <a:solidFill>
+                <a:schemeClr val="tx1"/>
+              </a:solidFill>
+            </a:endParaRPr>
+          </a:p>
+          <a:p>
+            <a:pPr algn="ctr"/>
+            <a:r>
+              <a:rPr lang="en-US" altLang="ko-KR" sz="1000" dirty="0" smtClean="0">
+                <a:solidFill>
+                  <a:schemeClr val="tx1"/>
+                </a:solidFill>
+              </a:rPr>
+              <a:t>Q&amp;A</a:t>
+            </a:r>
+          </a:p>
+          <a:p>
+            <a:pPr algn="ctr"/>
+            <a:r>
+              <a:rPr lang="ko-KR" altLang="en-US" sz="1000" dirty="0" smtClean="0">
+                <a:solidFill>
+                  <a:schemeClr val="tx1"/>
+                </a:solidFill>
+              </a:rPr>
+              <a:t>자료실</a:t>
+            </a:r>
+            <a:endParaRPr lang="en-US" altLang="ko-KR" sz="1000" dirty="0" smtClean="0">
+              <a:solidFill>
+                <a:schemeClr val="tx1"/>
+              </a:solidFill>
+            </a:endParaRPr>
+          </a:p>
+          <a:p>
+            <a:pPr algn="ctr"/>
+            <a:r>
+              <a:rPr lang="en-US" altLang="ko-KR" sz="1000" dirty="0" smtClean="0">
+                <a:solidFill>
+                  <a:schemeClr val="tx1"/>
+                </a:solidFill>
+              </a:rPr>
+              <a:t>News</a:t>
+            </a:r>
+            <a:endParaRPr lang="ko-KR" altLang="en-US" sz="1000" dirty="0">
+              <a:solidFill>
+                <a:schemeClr val="tx1"/>
+              </a:solidFill>
+            </a:endParaRPr>
           </a:p>
         </p:txBody>
       </p:sp>
